--- a/00_doc/우리집SW_ImageMaking_QnA_210105.pptx
+++ b/00_doc/우리집SW_ImageMaking_QnA_210105.pptx
@@ -13,6 +13,7 @@
     <p:sldId id="271" r:id="rId7"/>
     <p:sldId id="272" r:id="rId8"/>
     <p:sldId id="273" r:id="rId9"/>
+    <p:sldId id="274" r:id="rId10"/>
   </p:sldIdLst>
   <p:sldSz cx="9144000" cy="6858000" type="screen4x3"/>
   <p:notesSz cx="6858000" cy="9144000"/>
@@ -310,7 +311,7 @@
             <a:fld id="{DE529B9A-B33E-4B74-A142-09EF399DAE64}" type="datetimeFigureOut">
               <a:rPr lang="ko-KR" altLang="en-US" smtClean="0"/>
               <a:pPr/>
-              <a:t>2021-01-26</a:t>
+              <a:t>2021-02-04</a:t>
             </a:fld>
             <a:endParaRPr lang="ko-KR" altLang="en-US"/>
           </a:p>
@@ -475,7 +476,7 @@
             <a:fld id="{DE529B9A-B33E-4B74-A142-09EF399DAE64}" type="datetimeFigureOut">
               <a:rPr lang="ko-KR" altLang="en-US" smtClean="0"/>
               <a:pPr/>
-              <a:t>2021-01-26</a:t>
+              <a:t>2021-02-04</a:t>
             </a:fld>
             <a:endParaRPr lang="ko-KR" altLang="en-US"/>
           </a:p>
@@ -650,7 +651,7 @@
             <a:fld id="{DE529B9A-B33E-4B74-A142-09EF399DAE64}" type="datetimeFigureOut">
               <a:rPr lang="ko-KR" altLang="en-US" smtClean="0"/>
               <a:pPr/>
-              <a:t>2021-01-26</a:t>
+              <a:t>2021-02-04</a:t>
             </a:fld>
             <a:endParaRPr lang="ko-KR" altLang="en-US"/>
           </a:p>
@@ -815,7 +816,7 @@
             <a:fld id="{DE529B9A-B33E-4B74-A142-09EF399DAE64}" type="datetimeFigureOut">
               <a:rPr lang="ko-KR" altLang="en-US" smtClean="0"/>
               <a:pPr/>
-              <a:t>2021-01-26</a:t>
+              <a:t>2021-02-04</a:t>
             </a:fld>
             <a:endParaRPr lang="ko-KR" altLang="en-US"/>
           </a:p>
@@ -1057,7 +1058,7 @@
             <a:fld id="{DE529B9A-B33E-4B74-A142-09EF399DAE64}" type="datetimeFigureOut">
               <a:rPr lang="ko-KR" altLang="en-US" smtClean="0"/>
               <a:pPr/>
-              <a:t>2021-01-26</a:t>
+              <a:t>2021-02-04</a:t>
             </a:fld>
             <a:endParaRPr lang="ko-KR" altLang="en-US"/>
           </a:p>
@@ -1339,7 +1340,7 @@
             <a:fld id="{DE529B9A-B33E-4B74-A142-09EF399DAE64}" type="datetimeFigureOut">
               <a:rPr lang="ko-KR" altLang="en-US" smtClean="0"/>
               <a:pPr/>
-              <a:t>2021-01-26</a:t>
+              <a:t>2021-02-04</a:t>
             </a:fld>
             <a:endParaRPr lang="ko-KR" altLang="en-US"/>
           </a:p>
@@ -1755,7 +1756,7 @@
             <a:fld id="{DE529B9A-B33E-4B74-A142-09EF399DAE64}" type="datetimeFigureOut">
               <a:rPr lang="ko-KR" altLang="en-US" smtClean="0"/>
               <a:pPr/>
-              <a:t>2021-01-26</a:t>
+              <a:t>2021-02-04</a:t>
             </a:fld>
             <a:endParaRPr lang="ko-KR" altLang="en-US"/>
           </a:p>
@@ -1869,7 +1870,7 @@
             <a:fld id="{DE529B9A-B33E-4B74-A142-09EF399DAE64}" type="datetimeFigureOut">
               <a:rPr lang="ko-KR" altLang="en-US" smtClean="0"/>
               <a:pPr/>
-              <a:t>2021-01-26</a:t>
+              <a:t>2021-02-04</a:t>
             </a:fld>
             <a:endParaRPr lang="ko-KR" altLang="en-US"/>
           </a:p>
@@ -1961,7 +1962,7 @@
             <a:fld id="{DE529B9A-B33E-4B74-A142-09EF399DAE64}" type="datetimeFigureOut">
               <a:rPr lang="ko-KR" altLang="en-US" smtClean="0"/>
               <a:pPr/>
-              <a:t>2021-01-26</a:t>
+              <a:t>2021-02-04</a:t>
             </a:fld>
             <a:endParaRPr lang="ko-KR" altLang="en-US"/>
           </a:p>
@@ -2233,7 +2234,7 @@
             <a:fld id="{DE529B9A-B33E-4B74-A142-09EF399DAE64}" type="datetimeFigureOut">
               <a:rPr lang="ko-KR" altLang="en-US" smtClean="0"/>
               <a:pPr/>
-              <a:t>2021-01-26</a:t>
+              <a:t>2021-02-04</a:t>
             </a:fld>
             <a:endParaRPr lang="ko-KR" altLang="en-US"/>
           </a:p>
@@ -2482,7 +2483,7 @@
             <a:fld id="{DE529B9A-B33E-4B74-A142-09EF399DAE64}" type="datetimeFigureOut">
               <a:rPr lang="ko-KR" altLang="en-US" smtClean="0"/>
               <a:pPr/>
-              <a:t>2021-01-26</a:t>
+              <a:t>2021-02-04</a:t>
             </a:fld>
             <a:endParaRPr lang="ko-KR" altLang="en-US"/>
           </a:p>
@@ -2690,7 +2691,7 @@
             <a:fld id="{DE529B9A-B33E-4B74-A142-09EF399DAE64}" type="datetimeFigureOut">
               <a:rPr lang="ko-KR" altLang="en-US" smtClean="0"/>
               <a:pPr/>
-              <a:t>2021-01-26</a:t>
+              <a:t>2021-02-04</a:t>
             </a:fld>
             <a:endParaRPr lang="ko-KR" altLang="en-US"/>
           </a:p>
@@ -5653,9 +5654,10 @@
           <a:p>
             <a:pPr algn="l"/>
             <a:r>
-              <a:rPr lang="ko-KR" altLang="en-US" sz="2400" dirty="0"/>
-              <a:t>질문할 내용</a:t>
-            </a:r>
+              <a:rPr lang="en-US" altLang="ko-KR" sz="2400" dirty="0"/>
+              <a:t>Release_20210204</a:t>
+            </a:r>
+            <a:endParaRPr lang="ko-KR" altLang="en-US" sz="2400" dirty="0"/>
           </a:p>
         </p:txBody>
       </p:sp>
@@ -5667,8 +5669,8 @@
         </p:nvSpPr>
         <p:spPr>
           <a:xfrm>
-            <a:off x="611560" y="908720"/>
-            <a:ext cx="7920880" cy="369332"/>
+            <a:off x="462137" y="908720"/>
+            <a:ext cx="7920880" cy="307777"/>
           </a:xfrm>
           <a:prstGeom prst="rect">
             <a:avLst/>
@@ -5691,47 +5693,568 @@
             </a:r>
             <a:r>
               <a:rPr lang="ko-KR" altLang="en-US" sz="1400" dirty="0"/>
-              <a:t>여성정보고시 내용중 </a:t>
-            </a:r>
-            <a:r>
-              <a:rPr lang="ko-KR" altLang="en-US" sz="1400" dirty="0" err="1"/>
-              <a:t>대복종</a:t>
-            </a:r>
-            <a:r>
-              <a:rPr lang="ko-KR" altLang="en-US" sz="1400" dirty="0"/>
-              <a:t> </a:t>
-            </a:r>
-            <a:r>
-              <a:rPr lang="ko-KR" altLang="en-US" sz="1400" dirty="0" err="1"/>
-              <a:t>카테고리중에</a:t>
-            </a:r>
-            <a:r>
-              <a:rPr lang="ko-KR" altLang="en-US" sz="1400" dirty="0"/>
-              <a:t> </a:t>
-            </a:r>
-            <a:r>
-              <a:rPr lang="en-US" altLang="ko-KR" sz="1400" dirty="0"/>
-              <a:t>P </a:t>
-            </a:r>
-            <a:r>
-              <a:rPr lang="ko-KR" altLang="en-US" sz="1400" dirty="0"/>
-              <a:t>가 없음</a:t>
-            </a:r>
-            <a:r>
-              <a:rPr lang="en-US" altLang="ko-KR" sz="1400" dirty="0"/>
-              <a:t>. (</a:t>
-            </a:r>
-            <a:r>
-              <a:rPr lang="en-US" altLang="ko-KR" dirty="0"/>
-              <a:t>SBPAZ2267</a:t>
-            </a:r>
-            <a:r>
-              <a:rPr lang="en-US" altLang="ko-KR" sz="1400" dirty="0"/>
-              <a:t>)</a:t>
+              <a:t>산출물 구성</a:t>
             </a:r>
             <a:endParaRPr lang="en-US" altLang="ko-KR" sz="1400" dirty="0">
               <a:sym typeface="Wingdings" panose="05000000000000000000" pitchFamily="2" charset="2"/>
             </a:endParaRPr>
+          </a:p>
+        </p:txBody>
+      </p:sp>
+      <p:pic>
+        <p:nvPicPr>
+          <p:cNvPr id="3" name="그림 2">
+            <a:extLst>
+              <a:ext uri="{FF2B5EF4-FFF2-40B4-BE49-F238E27FC236}">
+                <a16:creationId xmlns:a16="http://schemas.microsoft.com/office/drawing/2014/main" id="{D653FB43-12CC-49C3-8FBA-CD4FB6573ED9}"/>
+              </a:ext>
+            </a:extLst>
+          </p:cNvPr>
+          <p:cNvPicPr>
+            <a:picLocks noChangeAspect="1"/>
+          </p:cNvPicPr>
+          <p:nvPr/>
+        </p:nvPicPr>
+        <p:blipFill>
+          <a:blip r:embed="rId2"/>
+          <a:stretch>
+            <a:fillRect/>
+          </a:stretch>
+        </p:blipFill>
+        <p:spPr>
+          <a:xfrm>
+            <a:off x="827584" y="1422068"/>
+            <a:ext cx="1905000" cy="1533525"/>
+          </a:xfrm>
+          <a:prstGeom prst="rect">
+            <a:avLst/>
+          </a:prstGeom>
+          <a:solidFill>
+            <a:srgbClr val="FFFFFF">
+              <a:shade val="85000"/>
+            </a:srgbClr>
+          </a:solidFill>
+          <a:ln w="88900" cap="sq">
+            <a:solidFill>
+              <a:srgbClr val="FFFFFF"/>
+            </a:solidFill>
+            <a:miter lim="800000"/>
+          </a:ln>
+          <a:effectLst>
+            <a:outerShdw blurRad="55000" dist="18000" dir="5400000" algn="tl" rotWithShape="0">
+              <a:srgbClr val="000000">
+                <a:alpha val="40000"/>
+              </a:srgbClr>
+            </a:outerShdw>
+          </a:effectLst>
+          <a:scene3d>
+            <a:camera prst="orthographicFront"/>
+            <a:lightRig rig="twoPt" dir="t">
+              <a:rot lat="0" lon="0" rev="7200000"/>
+            </a:lightRig>
+          </a:scene3d>
+          <a:sp3d>
+            <a:bevelT w="25400" h="19050"/>
+            <a:contourClr>
+              <a:srgbClr val="FFFFFF"/>
+            </a:contourClr>
+          </a:sp3d>
+        </p:spPr>
+      </p:pic>
+      <p:sp>
+        <p:nvSpPr>
+          <p:cNvPr id="5" name="TextBox 4">
+            <a:extLst>
+              <a:ext uri="{FF2B5EF4-FFF2-40B4-BE49-F238E27FC236}">
+                <a16:creationId xmlns:a16="http://schemas.microsoft.com/office/drawing/2014/main" id="{5E76C810-CCB3-4519-95AD-780CE095538A}"/>
+              </a:ext>
+            </a:extLst>
+          </p:cNvPr>
+          <p:cNvSpPr txBox="1"/>
+          <p:nvPr/>
+        </p:nvSpPr>
+        <p:spPr>
+          <a:xfrm>
+            <a:off x="3247013" y="1772816"/>
+            <a:ext cx="748923" cy="261610"/>
+          </a:xfrm>
+          <a:prstGeom prst="rect">
+            <a:avLst/>
+          </a:prstGeom>
+          <a:ln w="3175"/>
+        </p:spPr>
+        <p:style>
+          <a:lnRef idx="2">
+            <a:schemeClr val="dk1"/>
+          </a:lnRef>
+          <a:fillRef idx="1">
+            <a:schemeClr val="lt1"/>
+          </a:fillRef>
+          <a:effectRef idx="0">
+            <a:schemeClr val="dk1"/>
+          </a:effectRef>
+          <a:fontRef idx="minor">
+            <a:schemeClr val="dk1"/>
+          </a:fontRef>
+        </p:style>
+        <p:txBody>
+          <a:bodyPr wrap="none" rtlCol="0">
+            <a:spAutoFit/>
+          </a:bodyPr>
+          <a:lstStyle/>
+          <a:p>
+            <a:r>
+              <a:rPr lang="ko-KR" altLang="en-US" sz="1050"/>
+              <a:t>실행파일</a:t>
+            </a:r>
+          </a:p>
+        </p:txBody>
+      </p:sp>
+      <p:cxnSp>
+        <p:nvCxnSpPr>
+          <p:cNvPr id="7" name="직선 화살표 연결선 6">
+            <a:extLst>
+              <a:ext uri="{FF2B5EF4-FFF2-40B4-BE49-F238E27FC236}">
+                <a16:creationId xmlns:a16="http://schemas.microsoft.com/office/drawing/2014/main" id="{B0807C75-61F5-402D-A453-DD37FC154D86}"/>
+              </a:ext>
+            </a:extLst>
+          </p:cNvPr>
+          <p:cNvCxnSpPr>
+            <a:cxnSpLocks/>
+          </p:cNvCxnSpPr>
+          <p:nvPr/>
+        </p:nvCxnSpPr>
+        <p:spPr>
+          <a:xfrm flipV="1">
+            <a:off x="1907704" y="1903621"/>
+            <a:ext cx="1224136" cy="13211"/>
+          </a:xfrm>
+          <a:prstGeom prst="straightConnector1">
+            <a:avLst/>
+          </a:prstGeom>
+          <a:ln>
+            <a:tailEnd type="triangle"/>
+          </a:ln>
+        </p:spPr>
+        <p:style>
+          <a:lnRef idx="1">
+            <a:schemeClr val="accent1"/>
+          </a:lnRef>
+          <a:fillRef idx="0">
+            <a:schemeClr val="accent1"/>
+          </a:fillRef>
+          <a:effectRef idx="0">
+            <a:schemeClr val="accent1"/>
+          </a:effectRef>
+          <a:fontRef idx="minor">
+            <a:schemeClr val="tx1"/>
+          </a:fontRef>
+        </p:style>
+      </p:cxnSp>
+      <p:sp>
+        <p:nvSpPr>
+          <p:cNvPr id="8" name="직사각형 7">
+            <a:extLst>
+              <a:ext uri="{FF2B5EF4-FFF2-40B4-BE49-F238E27FC236}">
+                <a16:creationId xmlns:a16="http://schemas.microsoft.com/office/drawing/2014/main" id="{220E1ECE-15A7-42DA-82A7-881CBEABB010}"/>
+              </a:ext>
+            </a:extLst>
+          </p:cNvPr>
+          <p:cNvSpPr/>
+          <p:nvPr/>
+        </p:nvSpPr>
+        <p:spPr>
+          <a:xfrm>
+            <a:off x="827584" y="2034426"/>
+            <a:ext cx="1224136" cy="674483"/>
+          </a:xfrm>
+          <a:prstGeom prst="rect">
+            <a:avLst/>
+          </a:prstGeom>
+          <a:noFill/>
+          <a:ln w="3175"/>
+        </p:spPr>
+        <p:style>
+          <a:lnRef idx="2">
+            <a:schemeClr val="accent1">
+              <a:shade val="50000"/>
+            </a:schemeClr>
+          </a:lnRef>
+          <a:fillRef idx="1">
+            <a:schemeClr val="accent1"/>
+          </a:fillRef>
+          <a:effectRef idx="0">
+            <a:schemeClr val="accent1"/>
+          </a:effectRef>
+          <a:fontRef idx="minor">
+            <a:schemeClr val="lt1"/>
+          </a:fontRef>
+        </p:style>
+        <p:txBody>
+          <a:bodyPr rtlCol="0" anchor="ctr"/>
+          <a:lstStyle/>
+          <a:p>
+            <a:pPr algn="ctr"/>
+            <a:endParaRPr lang="ko-KR" altLang="en-US"/>
+          </a:p>
+        </p:txBody>
+      </p:sp>
+      <p:cxnSp>
+        <p:nvCxnSpPr>
+          <p:cNvPr id="9" name="직선 화살표 연결선 8">
+            <a:extLst>
+              <a:ext uri="{FF2B5EF4-FFF2-40B4-BE49-F238E27FC236}">
+                <a16:creationId xmlns:a16="http://schemas.microsoft.com/office/drawing/2014/main" id="{F87A7214-0C83-4086-91CA-B1B2D44155C3}"/>
+              </a:ext>
+            </a:extLst>
+          </p:cNvPr>
+          <p:cNvCxnSpPr>
+            <a:cxnSpLocks/>
+            <a:stCxn id="8" idx="3"/>
+          </p:cNvCxnSpPr>
+          <p:nvPr/>
+        </p:nvCxnSpPr>
+        <p:spPr>
+          <a:xfrm>
+            <a:off x="2051720" y="2371668"/>
+            <a:ext cx="1080120" cy="0"/>
+          </a:xfrm>
+          <a:prstGeom prst="straightConnector1">
+            <a:avLst/>
+          </a:prstGeom>
+          <a:ln>
+            <a:tailEnd type="triangle"/>
+          </a:ln>
+        </p:spPr>
+        <p:style>
+          <a:lnRef idx="1">
+            <a:schemeClr val="accent1"/>
+          </a:lnRef>
+          <a:fillRef idx="0">
+            <a:schemeClr val="accent1"/>
+          </a:fillRef>
+          <a:effectRef idx="0">
+            <a:schemeClr val="accent1"/>
+          </a:effectRef>
+          <a:fontRef idx="minor">
+            <a:schemeClr val="tx1"/>
+          </a:fontRef>
+        </p:style>
+      </p:cxnSp>
+      <p:sp>
+        <p:nvSpPr>
+          <p:cNvPr id="12" name="TextBox 11">
+            <a:extLst>
+              <a:ext uri="{FF2B5EF4-FFF2-40B4-BE49-F238E27FC236}">
+                <a16:creationId xmlns:a16="http://schemas.microsoft.com/office/drawing/2014/main" id="{610847B9-3DCA-4964-BE3B-7A663065C365}"/>
+              </a:ext>
+            </a:extLst>
+          </p:cNvPr>
+          <p:cNvSpPr txBox="1"/>
+          <p:nvPr/>
+        </p:nvSpPr>
+        <p:spPr>
+          <a:xfrm>
+            <a:off x="3247013" y="2240862"/>
+            <a:ext cx="723275" cy="253916"/>
+          </a:xfrm>
+          <a:prstGeom prst="rect">
+            <a:avLst/>
+          </a:prstGeom>
+          <a:ln w="3175"/>
+        </p:spPr>
+        <p:style>
+          <a:lnRef idx="2">
+            <a:schemeClr val="dk1"/>
+          </a:lnRef>
+          <a:fillRef idx="1">
+            <a:schemeClr val="lt1"/>
+          </a:fillRef>
+          <a:effectRef idx="0">
+            <a:schemeClr val="dk1"/>
+          </a:effectRef>
+          <a:fontRef idx="minor">
+            <a:schemeClr val="dk1"/>
+          </a:fontRef>
+        </p:style>
+        <p:txBody>
+          <a:bodyPr wrap="none" rtlCol="0">
+            <a:spAutoFit/>
+          </a:bodyPr>
+          <a:lstStyle/>
+          <a:p>
+            <a:r>
+              <a:rPr lang="ko-KR" altLang="en-US" sz="1050" dirty="0"/>
+              <a:t>결과파일</a:t>
+            </a:r>
+          </a:p>
+        </p:txBody>
+      </p:sp>
+      <p:sp>
+        <p:nvSpPr>
+          <p:cNvPr id="15" name="TextBox 14">
+            <a:extLst>
+              <a:ext uri="{FF2B5EF4-FFF2-40B4-BE49-F238E27FC236}">
+                <a16:creationId xmlns:a16="http://schemas.microsoft.com/office/drawing/2014/main" id="{DFB72951-762B-466C-9880-4C3F8A03B2AC}"/>
+              </a:ext>
+            </a:extLst>
+          </p:cNvPr>
+          <p:cNvSpPr txBox="1"/>
+          <p:nvPr/>
+        </p:nvSpPr>
+        <p:spPr>
+          <a:xfrm>
+            <a:off x="462137" y="3748519"/>
+            <a:ext cx="7920880" cy="2323713"/>
+          </a:xfrm>
+          <a:prstGeom prst="rect">
+            <a:avLst/>
+          </a:prstGeom>
+          <a:noFill/>
+        </p:spPr>
+        <p:txBody>
+          <a:bodyPr wrap="square" rtlCol="0">
+            <a:spAutoFit/>
+          </a:bodyPr>
+          <a:lstStyle/>
+          <a:p>
+            <a:r>
+              <a:rPr lang="en-US" altLang="ko-KR" sz="1400" dirty="0"/>
+              <a:t>&lt;</a:t>
+            </a:r>
+            <a:r>
+              <a:rPr lang="ko-KR" altLang="en-US" sz="1400" dirty="0"/>
+              <a:t>요청 및 특이사항</a:t>
+            </a:r>
+            <a:r>
+              <a:rPr lang="en-US" altLang="ko-KR" sz="1400" dirty="0"/>
+              <a:t>&gt;</a:t>
+            </a:r>
+            <a:br>
+              <a:rPr lang="en-US" altLang="ko-KR" sz="1400" dirty="0"/>
+            </a:br>
+            <a:endParaRPr lang="en-US" altLang="ko-KR" sz="1400" dirty="0"/>
+          </a:p>
+          <a:p>
+            <a:pPr lvl="1">
+              <a:buFont typeface="Arial" pitchFamily="34" charset="0"/>
+              <a:buChar char="•"/>
+            </a:pPr>
+            <a:r>
+              <a:rPr lang="en-US" altLang="ko-KR" sz="1300" dirty="0">
+                <a:sym typeface="Wingdings" panose="05000000000000000000" pitchFamily="2" charset="2"/>
+              </a:rPr>
+              <a:t>  </a:t>
+            </a:r>
+            <a:r>
+              <a:rPr lang="ko-KR" altLang="en-US" sz="1300" dirty="0">
+                <a:sym typeface="Wingdings" panose="05000000000000000000" pitchFamily="2" charset="2"/>
+              </a:rPr>
+              <a:t>신원 제품에 대한 프로그램입니다</a:t>
+            </a:r>
+            <a:r>
+              <a:rPr lang="en-US" altLang="ko-KR" sz="1300" dirty="0">
+                <a:sym typeface="Wingdings" panose="05000000000000000000" pitchFamily="2" charset="2"/>
+              </a:rPr>
+              <a:t>. </a:t>
+            </a:r>
+            <a:br>
+              <a:rPr lang="en-US" altLang="ko-KR" sz="1300" dirty="0">
+                <a:sym typeface="Wingdings" panose="05000000000000000000" pitchFamily="2" charset="2"/>
+              </a:rPr>
+            </a:br>
+            <a:r>
+              <a:rPr lang="en-US" altLang="ko-KR" sz="1300" dirty="0">
+                <a:sym typeface="Wingdings" panose="05000000000000000000" pitchFamily="2" charset="2"/>
+              </a:rPr>
+              <a:t>  (</a:t>
+            </a:r>
+            <a:r>
+              <a:rPr lang="ko-KR" altLang="en-US" sz="1300" dirty="0">
+                <a:sym typeface="Wingdings" panose="05000000000000000000" pitchFamily="2" charset="2"/>
+              </a:rPr>
+              <a:t>회사별로 프로그램을 개발이 필요할 것으로 예상됩니다</a:t>
+            </a:r>
+            <a:r>
+              <a:rPr lang="en-US" altLang="ko-KR" sz="1300" dirty="0">
+                <a:sym typeface="Wingdings" panose="05000000000000000000" pitchFamily="2" charset="2"/>
+              </a:rPr>
+              <a:t>)</a:t>
+            </a:r>
+            <a:br>
+              <a:rPr lang="en-US" altLang="ko-KR" sz="1300" dirty="0">
+                <a:sym typeface="Wingdings" panose="05000000000000000000" pitchFamily="2" charset="2"/>
+              </a:rPr>
+            </a:br>
+            <a:endParaRPr lang="en-US" altLang="ko-KR" sz="1300" dirty="0">
+              <a:sym typeface="Wingdings" panose="05000000000000000000" pitchFamily="2" charset="2"/>
+            </a:endParaRPr>
+          </a:p>
+          <a:p>
+            <a:pPr lvl="1">
+              <a:buFont typeface="Arial" pitchFamily="34" charset="0"/>
+              <a:buChar char="•"/>
+            </a:pPr>
+            <a:r>
+              <a:rPr lang="en-US" altLang="ko-KR" sz="1300" dirty="0">
+                <a:sym typeface="Wingdings" panose="05000000000000000000" pitchFamily="2" charset="2"/>
+              </a:rPr>
+              <a:t> </a:t>
+            </a:r>
+            <a:r>
+              <a:rPr lang="ko-KR" altLang="en-US" sz="1300" dirty="0">
+                <a:sym typeface="Wingdings" panose="05000000000000000000" pitchFamily="2" charset="2"/>
+              </a:rPr>
+              <a:t>다양한 품번 케이스에 대한 실험은 부족하며</a:t>
+            </a:r>
+            <a:r>
+              <a:rPr lang="en-US" altLang="ko-KR" sz="1300" dirty="0">
+                <a:sym typeface="Wingdings" panose="05000000000000000000" pitchFamily="2" charset="2"/>
+              </a:rPr>
+              <a:t>, </a:t>
+            </a:r>
+            <a:r>
+              <a:rPr lang="ko-KR" altLang="en-US" sz="1300" dirty="0">
+                <a:sym typeface="Wingdings" panose="05000000000000000000" pitchFamily="2" charset="2"/>
+              </a:rPr>
+              <a:t>테스트 및 검토 요청합니다</a:t>
+            </a:r>
+            <a:endParaRPr lang="en-US" altLang="ko-KR" sz="1300" dirty="0">
+              <a:sym typeface="Wingdings" panose="05000000000000000000" pitchFamily="2" charset="2"/>
+            </a:endParaRPr>
+          </a:p>
+          <a:p>
+            <a:pPr lvl="1">
+              <a:buFont typeface="Arial" pitchFamily="34" charset="0"/>
+              <a:buChar char="•"/>
+            </a:pPr>
+            <a:r>
+              <a:rPr lang="en-US" altLang="ko-KR" sz="1300" dirty="0">
+                <a:sym typeface="Wingdings" panose="05000000000000000000" pitchFamily="2" charset="2"/>
+              </a:rPr>
+              <a:t>  </a:t>
+            </a:r>
+            <a:r>
+              <a:rPr lang="ko-KR" altLang="en-US" sz="1300" dirty="0">
+                <a:sym typeface="Wingdings" panose="05000000000000000000" pitchFamily="2" charset="2"/>
+              </a:rPr>
+              <a:t>오류 발생시 오류 발생 경로를 피드백 바랍니다</a:t>
+            </a:r>
+            <a:r>
+              <a:rPr lang="en-US" altLang="ko-KR" sz="1300" dirty="0">
+                <a:sym typeface="Wingdings" panose="05000000000000000000" pitchFamily="2" charset="2"/>
+              </a:rPr>
+              <a:t>.</a:t>
+            </a:r>
+          </a:p>
+          <a:p>
+            <a:pPr lvl="1">
+              <a:buFont typeface="Arial" pitchFamily="34" charset="0"/>
+              <a:buChar char="•"/>
+            </a:pPr>
+            <a:r>
+              <a:rPr lang="en-US" altLang="ko-KR" sz="1300" dirty="0">
+                <a:sym typeface="Wingdings" panose="05000000000000000000" pitchFamily="2" charset="2"/>
+              </a:rPr>
+              <a:t>  UI</a:t>
+            </a:r>
+            <a:r>
+              <a:rPr lang="ko-KR" altLang="en-US" sz="1300" dirty="0">
+                <a:sym typeface="Wingdings" panose="05000000000000000000" pitchFamily="2" charset="2"/>
+              </a:rPr>
+              <a:t> 디자인은 초안이므로</a:t>
+            </a:r>
+            <a:r>
+              <a:rPr lang="en-US" altLang="ko-KR" sz="1300" dirty="0">
+                <a:sym typeface="Wingdings" panose="05000000000000000000" pitchFamily="2" charset="2"/>
+              </a:rPr>
+              <a:t> </a:t>
+            </a:r>
+            <a:r>
+              <a:rPr lang="ko-KR" altLang="en-US" sz="1300" dirty="0">
+                <a:sym typeface="Wingdings" panose="05000000000000000000" pitchFamily="2" charset="2"/>
+              </a:rPr>
+              <a:t>의견 요청 드립니다</a:t>
+            </a:r>
+            <a:br>
+              <a:rPr lang="en-US" altLang="ko-KR" sz="1300" dirty="0">
+                <a:sym typeface="Wingdings" panose="05000000000000000000" pitchFamily="2" charset="2"/>
+              </a:rPr>
+            </a:br>
+            <a:endParaRPr lang="en-US" altLang="ko-KR" sz="1300" dirty="0">
+              <a:sym typeface="Wingdings" panose="05000000000000000000" pitchFamily="2" charset="2"/>
+            </a:endParaRPr>
+          </a:p>
+          <a:p>
+            <a:pPr lvl="1">
+              <a:buFont typeface="Arial" pitchFamily="34" charset="0"/>
+              <a:buChar char="•"/>
+            </a:pPr>
+            <a:r>
+              <a:rPr lang="en-US" altLang="ko-KR" sz="1300" dirty="0">
+                <a:sym typeface="Wingdings" panose="05000000000000000000" pitchFamily="2" charset="2"/>
+              </a:rPr>
+              <a:t>  </a:t>
+            </a:r>
+            <a:r>
+              <a:rPr lang="ko-KR" altLang="en-US" sz="1300" dirty="0">
+                <a:sym typeface="Wingdings" panose="05000000000000000000" pitchFamily="2" charset="2"/>
+              </a:rPr>
+              <a:t>신원 프로그램 종료일은 </a:t>
+            </a:r>
+            <a:r>
+              <a:rPr lang="en-US" altLang="ko-KR" sz="1300" dirty="0">
+                <a:sym typeface="Wingdings" panose="05000000000000000000" pitchFamily="2" charset="2"/>
+              </a:rPr>
+              <a:t>2/26 </a:t>
+            </a:r>
+            <a:r>
+              <a:rPr lang="ko-KR" altLang="en-US" sz="1300" dirty="0">
+                <a:sym typeface="Wingdings" panose="05000000000000000000" pitchFamily="2" charset="2"/>
+              </a:rPr>
+              <a:t>입니다</a:t>
+            </a:r>
+            <a:r>
+              <a:rPr lang="en-US" altLang="ko-KR" sz="1300" dirty="0">
+                <a:sym typeface="Wingdings" panose="05000000000000000000" pitchFamily="2" charset="2"/>
+              </a:rPr>
+              <a:t>.</a:t>
+            </a:r>
+            <a:br>
+              <a:rPr lang="en-US" altLang="ko-KR" sz="1300" dirty="0">
+                <a:sym typeface="Wingdings" panose="05000000000000000000" pitchFamily="2" charset="2"/>
+              </a:rPr>
+            </a:br>
+            <a:r>
+              <a:rPr lang="en-US" altLang="ko-KR" sz="1300" dirty="0">
+                <a:sym typeface="Wingdings" panose="05000000000000000000" pitchFamily="2" charset="2"/>
+              </a:rPr>
+              <a:t>   (</a:t>
+            </a:r>
+            <a:r>
+              <a:rPr lang="ko-KR" altLang="en-US" sz="1300" dirty="0">
+                <a:sym typeface="Wingdings" panose="05000000000000000000" pitchFamily="2" charset="2"/>
+              </a:rPr>
+              <a:t>이후 </a:t>
+            </a:r>
+            <a:r>
+              <a:rPr lang="ko-KR" altLang="en-US" sz="1300" dirty="0" err="1">
+                <a:sym typeface="Wingdings" panose="05000000000000000000" pitchFamily="2" charset="2"/>
+              </a:rPr>
+              <a:t>주단위</a:t>
+            </a:r>
+            <a:r>
+              <a:rPr lang="ko-KR" altLang="en-US" sz="1300" dirty="0">
+                <a:sym typeface="Wingdings" panose="05000000000000000000" pitchFamily="2" charset="2"/>
+              </a:rPr>
+              <a:t> 릴리즈 예정</a:t>
+            </a:r>
+            <a:r>
+              <a:rPr lang="en-US" altLang="ko-KR" sz="1300" dirty="0">
+                <a:sym typeface="Wingdings" panose="05000000000000000000" pitchFamily="2" charset="2"/>
+              </a:rPr>
+              <a:t>)</a:t>
+            </a:r>
           </a:p>
         </p:txBody>
       </p:sp>
@@ -5739,6 +6262,777 @@
     <p:extLst>
       <p:ext uri="{BB962C8B-B14F-4D97-AF65-F5344CB8AC3E}">
         <p14:creationId xmlns:p14="http://schemas.microsoft.com/office/powerpoint/2010/main" val="3515914400"/>
+      </p:ext>
+    </p:extLst>
+  </p:cSld>
+  <p:clrMapOvr>
+    <a:masterClrMapping/>
+  </p:clrMapOvr>
+</p:sld>
+</file>
+
+<file path=ppt/slides/slide9.xml><?xml version="1.0" encoding="utf-8"?>
+<p:sld xmlns:a="http://schemas.openxmlformats.org/drawingml/2006/main" xmlns:r="http://schemas.openxmlformats.org/officeDocument/2006/relationships" xmlns:p="http://schemas.openxmlformats.org/presentationml/2006/main">
+  <p:cSld>
+    <p:spTree>
+      <p:nvGrpSpPr>
+        <p:cNvPr id="1" name=""/>
+        <p:cNvGrpSpPr/>
+        <p:nvPr/>
+      </p:nvGrpSpPr>
+      <p:grpSpPr>
+        <a:xfrm>
+          <a:off x="0" y="0"/>
+          <a:ext cx="0" cy="0"/>
+          <a:chOff x="0" y="0"/>
+          <a:chExt cx="0" cy="0"/>
+        </a:xfrm>
+      </p:grpSpPr>
+      <p:pic>
+        <p:nvPicPr>
+          <p:cNvPr id="4" name="그림 3">
+            <a:extLst>
+              <a:ext uri="{FF2B5EF4-FFF2-40B4-BE49-F238E27FC236}">
+                <a16:creationId xmlns:a16="http://schemas.microsoft.com/office/drawing/2014/main" id="{ECE6FF11-CF1F-4A5D-A4EA-B49E1CB95DEB}"/>
+              </a:ext>
+            </a:extLst>
+          </p:cNvPr>
+          <p:cNvPicPr>
+            <a:picLocks noChangeAspect="1"/>
+          </p:cNvPicPr>
+          <p:nvPr/>
+        </p:nvPicPr>
+        <p:blipFill>
+          <a:blip r:embed="rId2"/>
+          <a:stretch>
+            <a:fillRect/>
+          </a:stretch>
+        </p:blipFill>
+        <p:spPr>
+          <a:xfrm>
+            <a:off x="323528" y="764704"/>
+            <a:ext cx="6159219" cy="5803879"/>
+          </a:xfrm>
+          <a:prstGeom prst="rect">
+            <a:avLst/>
+          </a:prstGeom>
+          <a:solidFill>
+            <a:srgbClr val="FFFFFF">
+              <a:shade val="85000"/>
+            </a:srgbClr>
+          </a:solidFill>
+          <a:ln w="88900" cap="sq">
+            <a:solidFill>
+              <a:srgbClr val="FFFFFF"/>
+            </a:solidFill>
+            <a:miter lim="800000"/>
+          </a:ln>
+          <a:effectLst>
+            <a:outerShdw blurRad="55000" dist="18000" dir="5400000" algn="tl" rotWithShape="0">
+              <a:srgbClr val="000000">
+                <a:alpha val="40000"/>
+              </a:srgbClr>
+            </a:outerShdw>
+          </a:effectLst>
+          <a:scene3d>
+            <a:camera prst="orthographicFront"/>
+            <a:lightRig rig="twoPt" dir="t">
+              <a:rot lat="0" lon="0" rev="7200000"/>
+            </a:lightRig>
+          </a:scene3d>
+          <a:sp3d>
+            <a:bevelT w="25400" h="19050"/>
+            <a:contourClr>
+              <a:srgbClr val="FFFFFF"/>
+            </a:contourClr>
+          </a:sp3d>
+        </p:spPr>
+      </p:pic>
+      <p:sp>
+        <p:nvSpPr>
+          <p:cNvPr id="6" name="타원 5">
+            <a:extLst>
+              <a:ext uri="{FF2B5EF4-FFF2-40B4-BE49-F238E27FC236}">
+                <a16:creationId xmlns:a16="http://schemas.microsoft.com/office/drawing/2014/main" id="{A32410FB-F793-4F06-8067-385FDA9C3CD2}"/>
+              </a:ext>
+            </a:extLst>
+          </p:cNvPr>
+          <p:cNvSpPr/>
+          <p:nvPr/>
+        </p:nvSpPr>
+        <p:spPr>
+          <a:xfrm>
+            <a:off x="1619672" y="1484784"/>
+            <a:ext cx="288032" cy="288032"/>
+          </a:xfrm>
+          <a:prstGeom prst="ellipse">
+            <a:avLst/>
+          </a:prstGeom>
+          <a:solidFill>
+            <a:srgbClr val="FFFF00"/>
+          </a:solidFill>
+        </p:spPr>
+        <p:style>
+          <a:lnRef idx="2">
+            <a:schemeClr val="accent1">
+              <a:shade val="50000"/>
+            </a:schemeClr>
+          </a:lnRef>
+          <a:fillRef idx="1">
+            <a:schemeClr val="accent1"/>
+          </a:fillRef>
+          <a:effectRef idx="0">
+            <a:schemeClr val="accent1"/>
+          </a:effectRef>
+          <a:fontRef idx="minor">
+            <a:schemeClr val="lt1"/>
+          </a:fontRef>
+        </p:style>
+        <p:txBody>
+          <a:bodyPr rtlCol="0" anchor="ctr"/>
+          <a:lstStyle/>
+          <a:p>
+            <a:pPr algn="ctr"/>
+            <a:r>
+              <a:rPr lang="en-US" altLang="ko-KR" sz="1400" dirty="0">
+                <a:solidFill>
+                  <a:schemeClr val="tx1"/>
+                </a:solidFill>
+              </a:rPr>
+              <a:t>1</a:t>
+            </a:r>
+            <a:endParaRPr lang="ko-KR" altLang="en-US" sz="1400" dirty="0">
+              <a:solidFill>
+                <a:schemeClr val="tx1"/>
+              </a:solidFill>
+            </a:endParaRPr>
+          </a:p>
+        </p:txBody>
+      </p:sp>
+      <p:sp>
+        <p:nvSpPr>
+          <p:cNvPr id="7" name="타원 6">
+            <a:extLst>
+              <a:ext uri="{FF2B5EF4-FFF2-40B4-BE49-F238E27FC236}">
+                <a16:creationId xmlns:a16="http://schemas.microsoft.com/office/drawing/2014/main" id="{715D133C-201D-472D-80C8-0A4D894E0D05}"/>
+              </a:ext>
+            </a:extLst>
+          </p:cNvPr>
+          <p:cNvSpPr/>
+          <p:nvPr/>
+        </p:nvSpPr>
+        <p:spPr>
+          <a:xfrm>
+            <a:off x="1635446" y="2852936"/>
+            <a:ext cx="288032" cy="288032"/>
+          </a:xfrm>
+          <a:prstGeom prst="ellipse">
+            <a:avLst/>
+          </a:prstGeom>
+          <a:solidFill>
+            <a:srgbClr val="FFFF00"/>
+          </a:solidFill>
+        </p:spPr>
+        <p:style>
+          <a:lnRef idx="2">
+            <a:schemeClr val="accent1">
+              <a:shade val="50000"/>
+            </a:schemeClr>
+          </a:lnRef>
+          <a:fillRef idx="1">
+            <a:schemeClr val="accent1"/>
+          </a:fillRef>
+          <a:effectRef idx="0">
+            <a:schemeClr val="accent1"/>
+          </a:effectRef>
+          <a:fontRef idx="minor">
+            <a:schemeClr val="lt1"/>
+          </a:fontRef>
+        </p:style>
+        <p:txBody>
+          <a:bodyPr rtlCol="0" anchor="ctr"/>
+          <a:lstStyle/>
+          <a:p>
+            <a:pPr algn="ctr"/>
+            <a:r>
+              <a:rPr lang="en-US" altLang="ko-KR" sz="1400" dirty="0">
+                <a:solidFill>
+                  <a:schemeClr val="tx1"/>
+                </a:solidFill>
+              </a:rPr>
+              <a:t>2</a:t>
+            </a:r>
+            <a:endParaRPr lang="ko-KR" altLang="en-US" sz="1400" dirty="0">
+              <a:solidFill>
+                <a:schemeClr val="tx1"/>
+              </a:solidFill>
+            </a:endParaRPr>
+          </a:p>
+        </p:txBody>
+      </p:sp>
+      <p:sp>
+        <p:nvSpPr>
+          <p:cNvPr id="8" name="타원 7">
+            <a:extLst>
+              <a:ext uri="{FF2B5EF4-FFF2-40B4-BE49-F238E27FC236}">
+                <a16:creationId xmlns:a16="http://schemas.microsoft.com/office/drawing/2014/main" id="{EEC64B52-B3A7-4C33-AE2B-EB25C936E275}"/>
+              </a:ext>
+            </a:extLst>
+          </p:cNvPr>
+          <p:cNvSpPr/>
+          <p:nvPr/>
+        </p:nvSpPr>
+        <p:spPr>
+          <a:xfrm>
+            <a:off x="2123728" y="3435164"/>
+            <a:ext cx="288032" cy="288032"/>
+          </a:xfrm>
+          <a:prstGeom prst="ellipse">
+            <a:avLst/>
+          </a:prstGeom>
+          <a:solidFill>
+            <a:srgbClr val="FFFF00"/>
+          </a:solidFill>
+        </p:spPr>
+        <p:style>
+          <a:lnRef idx="2">
+            <a:schemeClr val="accent1">
+              <a:shade val="50000"/>
+            </a:schemeClr>
+          </a:lnRef>
+          <a:fillRef idx="1">
+            <a:schemeClr val="accent1"/>
+          </a:fillRef>
+          <a:effectRef idx="0">
+            <a:schemeClr val="accent1"/>
+          </a:effectRef>
+          <a:fontRef idx="minor">
+            <a:schemeClr val="lt1"/>
+          </a:fontRef>
+        </p:style>
+        <p:txBody>
+          <a:bodyPr rtlCol="0" anchor="ctr"/>
+          <a:lstStyle/>
+          <a:p>
+            <a:pPr algn="ctr"/>
+            <a:r>
+              <a:rPr lang="en-US" altLang="ko-KR" sz="1400" dirty="0">
+                <a:solidFill>
+                  <a:schemeClr val="tx1"/>
+                </a:solidFill>
+              </a:rPr>
+              <a:t>3</a:t>
+            </a:r>
+            <a:endParaRPr lang="ko-KR" altLang="en-US" sz="1400" dirty="0">
+              <a:solidFill>
+                <a:schemeClr val="tx1"/>
+              </a:solidFill>
+            </a:endParaRPr>
+          </a:p>
+        </p:txBody>
+      </p:sp>
+      <p:sp>
+        <p:nvSpPr>
+          <p:cNvPr id="9" name="타원 8">
+            <a:extLst>
+              <a:ext uri="{FF2B5EF4-FFF2-40B4-BE49-F238E27FC236}">
+                <a16:creationId xmlns:a16="http://schemas.microsoft.com/office/drawing/2014/main" id="{2DDFBB52-63F5-4A87-8771-10A3F6285F8B}"/>
+              </a:ext>
+            </a:extLst>
+          </p:cNvPr>
+          <p:cNvSpPr/>
+          <p:nvPr/>
+        </p:nvSpPr>
+        <p:spPr>
+          <a:xfrm>
+            <a:off x="1619672" y="2348880"/>
+            <a:ext cx="288032" cy="288032"/>
+          </a:xfrm>
+          <a:prstGeom prst="ellipse">
+            <a:avLst/>
+          </a:prstGeom>
+          <a:solidFill>
+            <a:srgbClr val="FFFF00"/>
+          </a:solidFill>
+        </p:spPr>
+        <p:style>
+          <a:lnRef idx="2">
+            <a:schemeClr val="accent1">
+              <a:shade val="50000"/>
+            </a:schemeClr>
+          </a:lnRef>
+          <a:fillRef idx="1">
+            <a:schemeClr val="accent1"/>
+          </a:fillRef>
+          <a:effectRef idx="0">
+            <a:schemeClr val="accent1"/>
+          </a:effectRef>
+          <a:fontRef idx="minor">
+            <a:schemeClr val="lt1"/>
+          </a:fontRef>
+        </p:style>
+        <p:txBody>
+          <a:bodyPr rtlCol="0" anchor="ctr"/>
+          <a:lstStyle/>
+          <a:p>
+            <a:pPr algn="ctr"/>
+            <a:r>
+              <a:rPr lang="en-US" altLang="ko-KR" sz="1400" dirty="0">
+                <a:solidFill>
+                  <a:schemeClr val="tx1"/>
+                </a:solidFill>
+              </a:rPr>
+              <a:t>4</a:t>
+            </a:r>
+            <a:endParaRPr lang="ko-KR" altLang="en-US" sz="1400" dirty="0">
+              <a:solidFill>
+                <a:schemeClr val="tx1"/>
+              </a:solidFill>
+            </a:endParaRPr>
+          </a:p>
+        </p:txBody>
+      </p:sp>
+      <p:sp>
+        <p:nvSpPr>
+          <p:cNvPr id="10" name="TextBox 9">
+            <a:extLst>
+              <a:ext uri="{FF2B5EF4-FFF2-40B4-BE49-F238E27FC236}">
+                <a16:creationId xmlns:a16="http://schemas.microsoft.com/office/drawing/2014/main" id="{66130EAE-5912-4B58-92E7-DB95876EBA82}"/>
+              </a:ext>
+            </a:extLst>
+          </p:cNvPr>
+          <p:cNvSpPr txBox="1"/>
+          <p:nvPr/>
+        </p:nvSpPr>
+        <p:spPr>
+          <a:xfrm>
+            <a:off x="2627784" y="1497995"/>
+            <a:ext cx="1944216" cy="261610"/>
+          </a:xfrm>
+          <a:prstGeom prst="rect">
+            <a:avLst/>
+          </a:prstGeom>
+          <a:ln w="3175">
+            <a:noFill/>
+          </a:ln>
+        </p:spPr>
+        <p:style>
+          <a:lnRef idx="2">
+            <a:schemeClr val="dk1"/>
+          </a:lnRef>
+          <a:fillRef idx="1">
+            <a:schemeClr val="lt1"/>
+          </a:fillRef>
+          <a:effectRef idx="0">
+            <a:schemeClr val="dk1"/>
+          </a:effectRef>
+          <a:fontRef idx="minor">
+            <a:schemeClr val="dk1"/>
+          </a:fontRef>
+        </p:style>
+        <p:txBody>
+          <a:bodyPr wrap="square" rtlCol="0">
+            <a:spAutoFit/>
+          </a:bodyPr>
+          <a:lstStyle/>
+          <a:p>
+            <a:r>
+              <a:rPr lang="ko-KR" altLang="en-US" sz="1050" dirty="0">
+                <a:solidFill>
+                  <a:schemeClr val="accent1"/>
+                </a:solidFill>
+              </a:rPr>
+              <a:t>정보고시 파일을 오픈합니다</a:t>
+            </a:r>
+            <a:r>
+              <a:rPr lang="en-US" altLang="ko-KR" sz="1050" dirty="0">
+                <a:solidFill>
+                  <a:schemeClr val="accent1"/>
+                </a:solidFill>
+              </a:rPr>
+              <a:t>.</a:t>
+            </a:r>
+            <a:endParaRPr lang="ko-KR" altLang="en-US" sz="1050" dirty="0">
+              <a:solidFill>
+                <a:schemeClr val="accent1"/>
+              </a:solidFill>
+            </a:endParaRPr>
+          </a:p>
+        </p:txBody>
+      </p:sp>
+      <p:sp>
+        <p:nvSpPr>
+          <p:cNvPr id="11" name="TextBox 10">
+            <a:extLst>
+              <a:ext uri="{FF2B5EF4-FFF2-40B4-BE49-F238E27FC236}">
+                <a16:creationId xmlns:a16="http://schemas.microsoft.com/office/drawing/2014/main" id="{FC74E93B-806D-4D02-8708-66C9585D326B}"/>
+              </a:ext>
+            </a:extLst>
+          </p:cNvPr>
+          <p:cNvSpPr txBox="1"/>
+          <p:nvPr/>
+        </p:nvSpPr>
+        <p:spPr>
+          <a:xfrm>
+            <a:off x="2627784" y="2852936"/>
+            <a:ext cx="1368152" cy="261610"/>
+          </a:xfrm>
+          <a:prstGeom prst="rect">
+            <a:avLst/>
+          </a:prstGeom>
+          <a:ln w="3175">
+            <a:noFill/>
+          </a:ln>
+        </p:spPr>
+        <p:style>
+          <a:lnRef idx="2">
+            <a:schemeClr val="dk1"/>
+          </a:lnRef>
+          <a:fillRef idx="1">
+            <a:schemeClr val="lt1"/>
+          </a:fillRef>
+          <a:effectRef idx="0">
+            <a:schemeClr val="dk1"/>
+          </a:effectRef>
+          <a:fontRef idx="minor">
+            <a:schemeClr val="dk1"/>
+          </a:fontRef>
+        </p:style>
+        <p:txBody>
+          <a:bodyPr wrap="square" rtlCol="0">
+            <a:spAutoFit/>
+          </a:bodyPr>
+          <a:lstStyle/>
+          <a:p>
+            <a:r>
+              <a:rPr lang="ko-KR" altLang="en-US" sz="1050">
+                <a:solidFill>
+                  <a:schemeClr val="accent1"/>
+                </a:solidFill>
+              </a:rPr>
+              <a:t>품번을 입력합니다</a:t>
+            </a:r>
+            <a:endParaRPr lang="ko-KR" altLang="en-US" sz="1050" dirty="0">
+              <a:solidFill>
+                <a:schemeClr val="accent1"/>
+              </a:solidFill>
+            </a:endParaRPr>
+          </a:p>
+        </p:txBody>
+      </p:sp>
+      <p:sp>
+        <p:nvSpPr>
+          <p:cNvPr id="12" name="TextBox 11">
+            <a:extLst>
+              <a:ext uri="{FF2B5EF4-FFF2-40B4-BE49-F238E27FC236}">
+                <a16:creationId xmlns:a16="http://schemas.microsoft.com/office/drawing/2014/main" id="{583640C6-C1BF-496E-8B81-BF21B00692D7}"/>
+              </a:ext>
+            </a:extLst>
+          </p:cNvPr>
+          <p:cNvSpPr txBox="1"/>
+          <p:nvPr/>
+        </p:nvSpPr>
+        <p:spPr>
+          <a:xfrm>
+            <a:off x="2915816" y="3355818"/>
+            <a:ext cx="2736304" cy="253916"/>
+          </a:xfrm>
+          <a:prstGeom prst="rect">
+            <a:avLst/>
+          </a:prstGeom>
+          <a:ln w="3175">
+            <a:noFill/>
+          </a:ln>
+        </p:spPr>
+        <p:style>
+          <a:lnRef idx="2">
+            <a:schemeClr val="dk1"/>
+          </a:lnRef>
+          <a:fillRef idx="1">
+            <a:schemeClr val="lt1"/>
+          </a:fillRef>
+          <a:effectRef idx="0">
+            <a:schemeClr val="dk1"/>
+          </a:effectRef>
+          <a:fontRef idx="minor">
+            <a:schemeClr val="dk1"/>
+          </a:fontRef>
+        </p:style>
+        <p:txBody>
+          <a:bodyPr wrap="square" rtlCol="0">
+            <a:spAutoFit/>
+          </a:bodyPr>
+          <a:lstStyle/>
+          <a:p>
+            <a:r>
+              <a:rPr lang="ko-KR" altLang="en-US" sz="1050" dirty="0">
+                <a:solidFill>
+                  <a:schemeClr val="accent1"/>
+                </a:solidFill>
+              </a:rPr>
+              <a:t>입력된 품번을 기준으로 </a:t>
+            </a:r>
+            <a:r>
+              <a:rPr lang="ko-KR" altLang="en-US" sz="1050" dirty="0" err="1">
+                <a:solidFill>
+                  <a:schemeClr val="accent1"/>
+                </a:solidFill>
+              </a:rPr>
+              <a:t>파싱된</a:t>
+            </a:r>
+            <a:r>
+              <a:rPr lang="ko-KR" altLang="en-US" sz="1050" dirty="0">
+                <a:solidFill>
+                  <a:schemeClr val="accent1"/>
+                </a:solidFill>
+              </a:rPr>
+              <a:t> 정보 출력</a:t>
+            </a:r>
+          </a:p>
+        </p:txBody>
+      </p:sp>
+      <p:sp>
+        <p:nvSpPr>
+          <p:cNvPr id="13" name="TextBox 12">
+            <a:extLst>
+              <a:ext uri="{FF2B5EF4-FFF2-40B4-BE49-F238E27FC236}">
+                <a16:creationId xmlns:a16="http://schemas.microsoft.com/office/drawing/2014/main" id="{79D7E633-92F9-4F9E-928D-0F8760FC2CD3}"/>
+              </a:ext>
+            </a:extLst>
+          </p:cNvPr>
+          <p:cNvSpPr txBox="1"/>
+          <p:nvPr/>
+        </p:nvSpPr>
+        <p:spPr>
+          <a:xfrm>
+            <a:off x="2627784" y="2339553"/>
+            <a:ext cx="1368152" cy="253916"/>
+          </a:xfrm>
+          <a:prstGeom prst="rect">
+            <a:avLst/>
+          </a:prstGeom>
+          <a:ln w="3175">
+            <a:noFill/>
+          </a:ln>
+        </p:spPr>
+        <p:style>
+          <a:lnRef idx="2">
+            <a:schemeClr val="dk1"/>
+          </a:lnRef>
+          <a:fillRef idx="1">
+            <a:schemeClr val="lt1"/>
+          </a:fillRef>
+          <a:effectRef idx="0">
+            <a:schemeClr val="dk1"/>
+          </a:effectRef>
+          <a:fontRef idx="minor">
+            <a:schemeClr val="dk1"/>
+          </a:fontRef>
+        </p:style>
+        <p:txBody>
+          <a:bodyPr wrap="square" rtlCol="0">
+            <a:spAutoFit/>
+          </a:bodyPr>
+          <a:lstStyle/>
+          <a:p>
+            <a:r>
+              <a:rPr lang="ko-KR" altLang="en-US" sz="1050" dirty="0">
+                <a:solidFill>
+                  <a:schemeClr val="accent1"/>
+                </a:solidFill>
+              </a:rPr>
+              <a:t>이미지 만듭니다</a:t>
+            </a:r>
+            <a:r>
+              <a:rPr lang="en-US" altLang="ko-KR" sz="1050" dirty="0">
+                <a:solidFill>
+                  <a:schemeClr val="accent1"/>
+                </a:solidFill>
+              </a:rPr>
+              <a:t>.</a:t>
+            </a:r>
+            <a:endParaRPr lang="ko-KR" altLang="en-US" sz="1050" dirty="0">
+              <a:solidFill>
+                <a:schemeClr val="accent1"/>
+              </a:solidFill>
+            </a:endParaRPr>
+          </a:p>
+        </p:txBody>
+      </p:sp>
+      <p:pic>
+        <p:nvPicPr>
+          <p:cNvPr id="14" name="그림 13">
+            <a:extLst>
+              <a:ext uri="{FF2B5EF4-FFF2-40B4-BE49-F238E27FC236}">
+                <a16:creationId xmlns:a16="http://schemas.microsoft.com/office/drawing/2014/main" id="{2F0B68D6-5816-4B9D-92DC-D4D62C1AE5F9}"/>
+              </a:ext>
+            </a:extLst>
+          </p:cNvPr>
+          <p:cNvPicPr>
+            <a:picLocks noChangeAspect="1"/>
+          </p:cNvPicPr>
+          <p:nvPr/>
+        </p:nvPicPr>
+        <p:blipFill>
+          <a:blip r:embed="rId3"/>
+          <a:stretch>
+            <a:fillRect/>
+          </a:stretch>
+        </p:blipFill>
+        <p:spPr>
+          <a:xfrm>
+            <a:off x="7293723" y="998358"/>
+            <a:ext cx="646887" cy="2936305"/>
+          </a:xfrm>
+          <a:prstGeom prst="rect">
+            <a:avLst/>
+          </a:prstGeom>
+        </p:spPr>
+      </p:pic>
+      <p:cxnSp>
+        <p:nvCxnSpPr>
+          <p:cNvPr id="16" name="직선 화살표 연결선 15">
+            <a:extLst>
+              <a:ext uri="{FF2B5EF4-FFF2-40B4-BE49-F238E27FC236}">
+                <a16:creationId xmlns:a16="http://schemas.microsoft.com/office/drawing/2014/main" id="{33D06CC2-BE25-43C1-AF9B-A40372E444AE}"/>
+              </a:ext>
+            </a:extLst>
+          </p:cNvPr>
+          <p:cNvCxnSpPr>
+            <a:cxnSpLocks/>
+            <a:endCxn id="14" idx="1"/>
+          </p:cNvCxnSpPr>
+          <p:nvPr/>
+        </p:nvCxnSpPr>
+        <p:spPr>
+          <a:xfrm>
+            <a:off x="3851920" y="2466511"/>
+            <a:ext cx="3441803" cy="0"/>
+          </a:xfrm>
+          <a:prstGeom prst="straightConnector1">
+            <a:avLst/>
+          </a:prstGeom>
+          <a:ln>
+            <a:tailEnd type="triangle"/>
+          </a:ln>
+        </p:spPr>
+        <p:style>
+          <a:lnRef idx="1">
+            <a:schemeClr val="accent1"/>
+          </a:lnRef>
+          <a:fillRef idx="0">
+            <a:schemeClr val="accent1"/>
+          </a:fillRef>
+          <a:effectRef idx="0">
+            <a:schemeClr val="accent1"/>
+          </a:effectRef>
+          <a:fontRef idx="minor">
+            <a:schemeClr val="tx1"/>
+          </a:fontRef>
+        </p:style>
+      </p:cxnSp>
+      <p:sp>
+        <p:nvSpPr>
+          <p:cNvPr id="20" name="TextBox 19">
+            <a:extLst>
+              <a:ext uri="{FF2B5EF4-FFF2-40B4-BE49-F238E27FC236}">
+                <a16:creationId xmlns:a16="http://schemas.microsoft.com/office/drawing/2014/main" id="{E2B1312D-0F40-4097-889A-490E6182252D}"/>
+              </a:ext>
+            </a:extLst>
+          </p:cNvPr>
+          <p:cNvSpPr txBox="1"/>
+          <p:nvPr/>
+        </p:nvSpPr>
+        <p:spPr>
+          <a:xfrm>
+            <a:off x="6933090" y="680963"/>
+            <a:ext cx="1368152" cy="253916"/>
+          </a:xfrm>
+          <a:prstGeom prst="rect">
+            <a:avLst/>
+          </a:prstGeom>
+          <a:ln w="3175">
+            <a:noFill/>
+          </a:ln>
+        </p:spPr>
+        <p:style>
+          <a:lnRef idx="2">
+            <a:schemeClr val="dk1"/>
+          </a:lnRef>
+          <a:fillRef idx="1">
+            <a:schemeClr val="lt1"/>
+          </a:fillRef>
+          <a:effectRef idx="0">
+            <a:schemeClr val="dk1"/>
+          </a:effectRef>
+          <a:fontRef idx="minor">
+            <a:schemeClr val="dk1"/>
+          </a:fontRef>
+        </p:style>
+        <p:txBody>
+          <a:bodyPr wrap="square" rtlCol="0">
+            <a:spAutoFit/>
+          </a:bodyPr>
+          <a:lstStyle/>
+          <a:p>
+            <a:pPr algn="ctr"/>
+            <a:r>
+              <a:rPr lang="ko-KR" altLang="en-US" sz="1050" dirty="0" err="1">
+                <a:solidFill>
+                  <a:schemeClr val="accent1"/>
+                </a:solidFill>
+              </a:rPr>
+              <a:t>결과이미지</a:t>
+            </a:r>
+            <a:endParaRPr lang="ko-KR" altLang="en-US" sz="1050" dirty="0">
+              <a:solidFill>
+                <a:schemeClr val="accent1"/>
+              </a:solidFill>
+            </a:endParaRPr>
+          </a:p>
+        </p:txBody>
+      </p:sp>
+      <p:sp>
+        <p:nvSpPr>
+          <p:cNvPr id="21" name="제목 1">
+            <a:extLst>
+              <a:ext uri="{FF2B5EF4-FFF2-40B4-BE49-F238E27FC236}">
+                <a16:creationId xmlns:a16="http://schemas.microsoft.com/office/drawing/2014/main" id="{D3B29B90-316B-4F90-9D18-5E7C755B679A}"/>
+              </a:ext>
+            </a:extLst>
+          </p:cNvPr>
+          <p:cNvSpPr>
+            <a:spLocks noGrp="1"/>
+          </p:cNvSpPr>
+          <p:nvPr>
+            <p:ph type="title"/>
+          </p:nvPr>
+        </p:nvSpPr>
+        <p:spPr>
+          <a:xfrm>
+            <a:off x="261889" y="141468"/>
+            <a:ext cx="8219256" cy="490066"/>
+          </a:xfrm>
+        </p:spPr>
+        <p:txBody>
+          <a:bodyPr>
+            <a:noAutofit/>
+          </a:bodyPr>
+          <a:lstStyle/>
+          <a:p>
+            <a:pPr algn="l"/>
+            <a:r>
+              <a:rPr lang="en-US" altLang="ko-KR" sz="2400" dirty="0"/>
+              <a:t>User manual</a:t>
+            </a:r>
+            <a:endParaRPr lang="ko-KR" altLang="en-US" sz="2400" dirty="0"/>
+          </a:p>
+        </p:txBody>
+      </p:sp>
+    </p:spTree>
+    <p:extLst>
+      <p:ext uri="{BB962C8B-B14F-4D97-AF65-F5344CB8AC3E}">
+        <p14:creationId xmlns:p14="http://schemas.microsoft.com/office/powerpoint/2010/main" val="1192678905"/>
       </p:ext>
     </p:extLst>
   </p:cSld>

--- a/00_doc/우리집SW_ImageMaking_QnA_210105.pptx
+++ b/00_doc/우리집SW_ImageMaking_QnA_210105.pptx
@@ -14,6 +14,9 @@
     <p:sldId id="272" r:id="rId8"/>
     <p:sldId id="273" r:id="rId9"/>
     <p:sldId id="274" r:id="rId10"/>
+    <p:sldId id="276" r:id="rId11"/>
+    <p:sldId id="277" r:id="rId12"/>
+    <p:sldId id="275" r:id="rId13"/>
   </p:sldIdLst>
   <p:sldSz cx="9144000" cy="6858000" type="screen4x3"/>
   <p:notesSz cx="6858000" cy="9144000"/>
@@ -311,7 +314,7 @@
             <a:fld id="{DE529B9A-B33E-4B74-A142-09EF399DAE64}" type="datetimeFigureOut">
               <a:rPr lang="ko-KR" altLang="en-US" smtClean="0"/>
               <a:pPr/>
-              <a:t>2021-02-04</a:t>
+              <a:t>2021-02-13</a:t>
             </a:fld>
             <a:endParaRPr lang="ko-KR" altLang="en-US"/>
           </a:p>
@@ -476,7 +479,7 @@
             <a:fld id="{DE529B9A-B33E-4B74-A142-09EF399DAE64}" type="datetimeFigureOut">
               <a:rPr lang="ko-KR" altLang="en-US" smtClean="0"/>
               <a:pPr/>
-              <a:t>2021-02-04</a:t>
+              <a:t>2021-02-13</a:t>
             </a:fld>
             <a:endParaRPr lang="ko-KR" altLang="en-US"/>
           </a:p>
@@ -651,7 +654,7 @@
             <a:fld id="{DE529B9A-B33E-4B74-A142-09EF399DAE64}" type="datetimeFigureOut">
               <a:rPr lang="ko-KR" altLang="en-US" smtClean="0"/>
               <a:pPr/>
-              <a:t>2021-02-04</a:t>
+              <a:t>2021-02-13</a:t>
             </a:fld>
             <a:endParaRPr lang="ko-KR" altLang="en-US"/>
           </a:p>
@@ -816,7 +819,7 @@
             <a:fld id="{DE529B9A-B33E-4B74-A142-09EF399DAE64}" type="datetimeFigureOut">
               <a:rPr lang="ko-KR" altLang="en-US" smtClean="0"/>
               <a:pPr/>
-              <a:t>2021-02-04</a:t>
+              <a:t>2021-02-13</a:t>
             </a:fld>
             <a:endParaRPr lang="ko-KR" altLang="en-US"/>
           </a:p>
@@ -1058,7 +1061,7 @@
             <a:fld id="{DE529B9A-B33E-4B74-A142-09EF399DAE64}" type="datetimeFigureOut">
               <a:rPr lang="ko-KR" altLang="en-US" smtClean="0"/>
               <a:pPr/>
-              <a:t>2021-02-04</a:t>
+              <a:t>2021-02-13</a:t>
             </a:fld>
             <a:endParaRPr lang="ko-KR" altLang="en-US"/>
           </a:p>
@@ -1340,7 +1343,7 @@
             <a:fld id="{DE529B9A-B33E-4B74-A142-09EF399DAE64}" type="datetimeFigureOut">
               <a:rPr lang="ko-KR" altLang="en-US" smtClean="0"/>
               <a:pPr/>
-              <a:t>2021-02-04</a:t>
+              <a:t>2021-02-13</a:t>
             </a:fld>
             <a:endParaRPr lang="ko-KR" altLang="en-US"/>
           </a:p>
@@ -1756,7 +1759,7 @@
             <a:fld id="{DE529B9A-B33E-4B74-A142-09EF399DAE64}" type="datetimeFigureOut">
               <a:rPr lang="ko-KR" altLang="en-US" smtClean="0"/>
               <a:pPr/>
-              <a:t>2021-02-04</a:t>
+              <a:t>2021-02-13</a:t>
             </a:fld>
             <a:endParaRPr lang="ko-KR" altLang="en-US"/>
           </a:p>
@@ -1870,7 +1873,7 @@
             <a:fld id="{DE529B9A-B33E-4B74-A142-09EF399DAE64}" type="datetimeFigureOut">
               <a:rPr lang="ko-KR" altLang="en-US" smtClean="0"/>
               <a:pPr/>
-              <a:t>2021-02-04</a:t>
+              <a:t>2021-02-13</a:t>
             </a:fld>
             <a:endParaRPr lang="ko-KR" altLang="en-US"/>
           </a:p>
@@ -1962,7 +1965,7 @@
             <a:fld id="{DE529B9A-B33E-4B74-A142-09EF399DAE64}" type="datetimeFigureOut">
               <a:rPr lang="ko-KR" altLang="en-US" smtClean="0"/>
               <a:pPr/>
-              <a:t>2021-02-04</a:t>
+              <a:t>2021-02-13</a:t>
             </a:fld>
             <a:endParaRPr lang="ko-KR" altLang="en-US"/>
           </a:p>
@@ -2234,7 +2237,7 @@
             <a:fld id="{DE529B9A-B33E-4B74-A142-09EF399DAE64}" type="datetimeFigureOut">
               <a:rPr lang="ko-KR" altLang="en-US" smtClean="0"/>
               <a:pPr/>
-              <a:t>2021-02-04</a:t>
+              <a:t>2021-02-13</a:t>
             </a:fld>
             <a:endParaRPr lang="ko-KR" altLang="en-US"/>
           </a:p>
@@ -2483,7 +2486,7 @@
             <a:fld id="{DE529B9A-B33E-4B74-A142-09EF399DAE64}" type="datetimeFigureOut">
               <a:rPr lang="ko-KR" altLang="en-US" smtClean="0"/>
               <a:pPr/>
-              <a:t>2021-02-04</a:t>
+              <a:t>2021-02-13</a:t>
             </a:fld>
             <a:endParaRPr lang="ko-KR" altLang="en-US"/>
           </a:p>
@@ -2691,7 +2694,7 @@
             <a:fld id="{DE529B9A-B33E-4B74-A142-09EF399DAE64}" type="datetimeFigureOut">
               <a:rPr lang="ko-KR" altLang="en-US" smtClean="0"/>
               <a:pPr/>
-              <a:t>2021-02-04</a:t>
+              <a:t>2021-02-13</a:t>
             </a:fld>
             <a:endParaRPr lang="ko-KR" altLang="en-US"/>
           </a:p>
@@ -3151,6 +3154,1232 @@
         </p:txBody>
       </p:sp>
     </p:spTree>
+  </p:cSld>
+  <p:clrMapOvr>
+    <a:masterClrMapping/>
+  </p:clrMapOvr>
+</p:sld>
+</file>
+
+<file path=ppt/slides/slide10.xml><?xml version="1.0" encoding="utf-8"?>
+<p:sld xmlns:a="http://schemas.openxmlformats.org/drawingml/2006/main" xmlns:r="http://schemas.openxmlformats.org/officeDocument/2006/relationships" xmlns:p="http://schemas.openxmlformats.org/presentationml/2006/main">
+  <p:cSld>
+    <p:spTree>
+      <p:nvGrpSpPr>
+        <p:cNvPr id="1" name=""/>
+        <p:cNvGrpSpPr/>
+        <p:nvPr/>
+      </p:nvGrpSpPr>
+      <p:grpSpPr>
+        <a:xfrm>
+          <a:off x="0" y="0"/>
+          <a:ext cx="0" cy="0"/>
+          <a:chOff x="0" y="0"/>
+          <a:chExt cx="0" cy="0"/>
+        </a:xfrm>
+      </p:grpSpPr>
+      <p:pic>
+        <p:nvPicPr>
+          <p:cNvPr id="3" name="그림 2">
+            <a:extLst>
+              <a:ext uri="{FF2B5EF4-FFF2-40B4-BE49-F238E27FC236}">
+                <a16:creationId xmlns:a16="http://schemas.microsoft.com/office/drawing/2014/main" id="{C4011566-0234-4D55-B3D2-425FDE81F081}"/>
+              </a:ext>
+            </a:extLst>
+          </p:cNvPr>
+          <p:cNvPicPr>
+            <a:picLocks noChangeAspect="1"/>
+          </p:cNvPicPr>
+          <p:nvPr/>
+        </p:nvPicPr>
+        <p:blipFill>
+          <a:blip r:embed="rId2"/>
+          <a:stretch>
+            <a:fillRect/>
+          </a:stretch>
+        </p:blipFill>
+        <p:spPr>
+          <a:xfrm>
+            <a:off x="611560" y="1006862"/>
+            <a:ext cx="2858996" cy="5301208"/>
+          </a:xfrm>
+          <a:prstGeom prst="rect">
+            <a:avLst/>
+          </a:prstGeom>
+        </p:spPr>
+      </p:pic>
+      <p:sp>
+        <p:nvSpPr>
+          <p:cNvPr id="4" name="타원 3">
+            <a:extLst>
+              <a:ext uri="{FF2B5EF4-FFF2-40B4-BE49-F238E27FC236}">
+                <a16:creationId xmlns:a16="http://schemas.microsoft.com/office/drawing/2014/main" id="{9C415EC5-B1BB-4183-8E3B-B048704574FC}"/>
+              </a:ext>
+            </a:extLst>
+          </p:cNvPr>
+          <p:cNvSpPr/>
+          <p:nvPr/>
+        </p:nvSpPr>
+        <p:spPr>
+          <a:xfrm>
+            <a:off x="1547664" y="1844824"/>
+            <a:ext cx="288032" cy="288032"/>
+          </a:xfrm>
+          <a:prstGeom prst="ellipse">
+            <a:avLst/>
+          </a:prstGeom>
+          <a:solidFill>
+            <a:srgbClr val="FFFF00"/>
+          </a:solidFill>
+        </p:spPr>
+        <p:style>
+          <a:lnRef idx="2">
+            <a:schemeClr val="accent1">
+              <a:shade val="50000"/>
+            </a:schemeClr>
+          </a:lnRef>
+          <a:fillRef idx="1">
+            <a:schemeClr val="accent1"/>
+          </a:fillRef>
+          <a:effectRef idx="0">
+            <a:schemeClr val="accent1"/>
+          </a:effectRef>
+          <a:fontRef idx="minor">
+            <a:schemeClr val="lt1"/>
+          </a:fontRef>
+        </p:style>
+        <p:txBody>
+          <a:bodyPr rtlCol="0" anchor="ctr"/>
+          <a:lstStyle/>
+          <a:p>
+            <a:pPr algn="ctr"/>
+            <a:r>
+              <a:rPr lang="en-US" altLang="ko-KR" sz="1400" dirty="0">
+                <a:solidFill>
+                  <a:schemeClr val="tx1"/>
+                </a:solidFill>
+              </a:rPr>
+              <a:t>1</a:t>
+            </a:r>
+            <a:endParaRPr lang="ko-KR" altLang="en-US" sz="1400" dirty="0">
+              <a:solidFill>
+                <a:schemeClr val="tx1"/>
+              </a:solidFill>
+            </a:endParaRPr>
+          </a:p>
+        </p:txBody>
+      </p:sp>
+      <p:sp>
+        <p:nvSpPr>
+          <p:cNvPr id="5" name="타원 4">
+            <a:extLst>
+              <a:ext uri="{FF2B5EF4-FFF2-40B4-BE49-F238E27FC236}">
+                <a16:creationId xmlns:a16="http://schemas.microsoft.com/office/drawing/2014/main" id="{F46BF282-9635-4ECB-8786-DEEB67B6DE99}"/>
+              </a:ext>
+            </a:extLst>
+          </p:cNvPr>
+          <p:cNvSpPr/>
+          <p:nvPr/>
+        </p:nvSpPr>
+        <p:spPr>
+          <a:xfrm>
+            <a:off x="2843808" y="1844824"/>
+            <a:ext cx="288032" cy="288032"/>
+          </a:xfrm>
+          <a:prstGeom prst="ellipse">
+            <a:avLst/>
+          </a:prstGeom>
+          <a:solidFill>
+            <a:srgbClr val="FFFF00"/>
+          </a:solidFill>
+        </p:spPr>
+        <p:style>
+          <a:lnRef idx="2">
+            <a:schemeClr val="accent1">
+              <a:shade val="50000"/>
+            </a:schemeClr>
+          </a:lnRef>
+          <a:fillRef idx="1">
+            <a:schemeClr val="accent1"/>
+          </a:fillRef>
+          <a:effectRef idx="0">
+            <a:schemeClr val="accent1"/>
+          </a:effectRef>
+          <a:fontRef idx="minor">
+            <a:schemeClr val="lt1"/>
+          </a:fontRef>
+        </p:style>
+        <p:txBody>
+          <a:bodyPr rtlCol="0" anchor="ctr"/>
+          <a:lstStyle/>
+          <a:p>
+            <a:pPr algn="ctr"/>
+            <a:r>
+              <a:rPr lang="en-US" altLang="ko-KR" sz="1400" dirty="0">
+                <a:solidFill>
+                  <a:schemeClr val="tx1"/>
+                </a:solidFill>
+              </a:rPr>
+              <a:t>2</a:t>
+            </a:r>
+            <a:endParaRPr lang="ko-KR" altLang="en-US" sz="1400" dirty="0">
+              <a:solidFill>
+                <a:schemeClr val="tx1"/>
+              </a:solidFill>
+            </a:endParaRPr>
+          </a:p>
+        </p:txBody>
+      </p:sp>
+      <p:sp>
+        <p:nvSpPr>
+          <p:cNvPr id="6" name="타원 5">
+            <a:extLst>
+              <a:ext uri="{FF2B5EF4-FFF2-40B4-BE49-F238E27FC236}">
+                <a16:creationId xmlns:a16="http://schemas.microsoft.com/office/drawing/2014/main" id="{90421EE9-25E7-4738-AFF6-D53FA5B0E41F}"/>
+              </a:ext>
+            </a:extLst>
+          </p:cNvPr>
+          <p:cNvSpPr/>
+          <p:nvPr/>
+        </p:nvSpPr>
+        <p:spPr>
+          <a:xfrm>
+            <a:off x="2843808" y="3140968"/>
+            <a:ext cx="288032" cy="288032"/>
+          </a:xfrm>
+          <a:prstGeom prst="ellipse">
+            <a:avLst/>
+          </a:prstGeom>
+          <a:solidFill>
+            <a:srgbClr val="FFFF00"/>
+          </a:solidFill>
+        </p:spPr>
+        <p:style>
+          <a:lnRef idx="2">
+            <a:schemeClr val="accent1">
+              <a:shade val="50000"/>
+            </a:schemeClr>
+          </a:lnRef>
+          <a:fillRef idx="1">
+            <a:schemeClr val="accent1"/>
+          </a:fillRef>
+          <a:effectRef idx="0">
+            <a:schemeClr val="accent1"/>
+          </a:effectRef>
+          <a:fontRef idx="minor">
+            <a:schemeClr val="lt1"/>
+          </a:fontRef>
+        </p:style>
+        <p:txBody>
+          <a:bodyPr rtlCol="0" anchor="ctr"/>
+          <a:lstStyle/>
+          <a:p>
+            <a:pPr algn="ctr"/>
+            <a:r>
+              <a:rPr lang="en-US" altLang="ko-KR" sz="1400" dirty="0">
+                <a:solidFill>
+                  <a:schemeClr val="tx1"/>
+                </a:solidFill>
+              </a:rPr>
+              <a:t>3</a:t>
+            </a:r>
+            <a:endParaRPr lang="ko-KR" altLang="en-US" sz="1400" dirty="0">
+              <a:solidFill>
+                <a:schemeClr val="tx1"/>
+              </a:solidFill>
+            </a:endParaRPr>
+          </a:p>
+        </p:txBody>
+      </p:sp>
+      <p:sp>
+        <p:nvSpPr>
+          <p:cNvPr id="8" name="TextBox 7">
+            <a:extLst>
+              <a:ext uri="{FF2B5EF4-FFF2-40B4-BE49-F238E27FC236}">
+                <a16:creationId xmlns:a16="http://schemas.microsoft.com/office/drawing/2014/main" id="{D72783EF-CD26-437A-81A0-B213E3D9A2DB}"/>
+              </a:ext>
+            </a:extLst>
+          </p:cNvPr>
+          <p:cNvSpPr txBox="1"/>
+          <p:nvPr/>
+        </p:nvSpPr>
+        <p:spPr>
+          <a:xfrm>
+            <a:off x="3707904" y="1006862"/>
+            <a:ext cx="5184576" cy="830997"/>
+          </a:xfrm>
+          <a:prstGeom prst="rect">
+            <a:avLst/>
+          </a:prstGeom>
+          <a:ln w="3175">
+            <a:noFill/>
+          </a:ln>
+        </p:spPr>
+        <p:style>
+          <a:lnRef idx="2">
+            <a:schemeClr val="dk1"/>
+          </a:lnRef>
+          <a:fillRef idx="1">
+            <a:schemeClr val="lt1"/>
+          </a:fillRef>
+          <a:effectRef idx="0">
+            <a:schemeClr val="dk1"/>
+          </a:effectRef>
+          <a:fontRef idx="minor">
+            <a:schemeClr val="dk1"/>
+          </a:fontRef>
+        </p:style>
+        <p:txBody>
+          <a:bodyPr wrap="square" rtlCol="0">
+            <a:spAutoFit/>
+          </a:bodyPr>
+          <a:lstStyle/>
+          <a:p>
+            <a:pPr marL="228600" indent="-228600">
+              <a:buAutoNum type="arabicPeriod"/>
+            </a:pPr>
+            <a:r>
+              <a:rPr lang="ko-KR" altLang="en-US" sz="1600" dirty="0">
+                <a:solidFill>
+                  <a:schemeClr val="accent1"/>
+                </a:solidFill>
+              </a:rPr>
+              <a:t>정보고시 파일 오픈 </a:t>
+            </a:r>
+            <a:r>
+              <a:rPr lang="en-US" altLang="ko-KR" sz="1600" dirty="0">
+                <a:solidFill>
+                  <a:schemeClr val="accent1"/>
+                </a:solidFill>
+              </a:rPr>
+              <a:t>(</a:t>
+            </a:r>
+            <a:r>
+              <a:rPr lang="ko-KR" altLang="en-US" sz="1600" dirty="0">
+                <a:solidFill>
+                  <a:schemeClr val="accent1"/>
+                </a:solidFill>
+              </a:rPr>
+              <a:t>엑셀</a:t>
+            </a:r>
+            <a:r>
+              <a:rPr lang="en-US" altLang="ko-KR" sz="1600" dirty="0">
+                <a:solidFill>
+                  <a:schemeClr val="accent1"/>
+                </a:solidFill>
+              </a:rPr>
+              <a:t>)</a:t>
+            </a:r>
+          </a:p>
+          <a:p>
+            <a:pPr marL="228600" indent="-228600">
+              <a:buAutoNum type="arabicPeriod"/>
+            </a:pPr>
+            <a:r>
+              <a:rPr lang="ko-KR" altLang="en-US" sz="1600" dirty="0">
+                <a:solidFill>
+                  <a:schemeClr val="accent1"/>
+                </a:solidFill>
+              </a:rPr>
+              <a:t>이미지화 수행</a:t>
+            </a:r>
+            <a:endParaRPr lang="en-US" altLang="ko-KR" sz="1600" dirty="0">
+              <a:solidFill>
+                <a:schemeClr val="accent1"/>
+              </a:solidFill>
+            </a:endParaRPr>
+          </a:p>
+          <a:p>
+            <a:pPr marL="228600" indent="-228600">
+              <a:buAutoNum type="arabicPeriod"/>
+            </a:pPr>
+            <a:r>
+              <a:rPr lang="ko-KR" altLang="en-US" sz="1600" dirty="0">
+                <a:solidFill>
+                  <a:schemeClr val="accent1"/>
+                </a:solidFill>
+              </a:rPr>
+              <a:t>이미지화 수행 결과</a:t>
+            </a:r>
+            <a:r>
+              <a:rPr lang="en-US" altLang="ko-KR" sz="1600" dirty="0">
+                <a:solidFill>
+                  <a:schemeClr val="accent1"/>
+                </a:solidFill>
+              </a:rPr>
+              <a:t> </a:t>
+            </a:r>
+            <a:r>
+              <a:rPr lang="ko-KR" altLang="en-US" sz="1600" dirty="0">
+                <a:solidFill>
+                  <a:schemeClr val="accent1"/>
+                </a:solidFill>
+              </a:rPr>
+              <a:t>출력</a:t>
+            </a:r>
+          </a:p>
+        </p:txBody>
+      </p:sp>
+      <p:pic>
+        <p:nvPicPr>
+          <p:cNvPr id="9" name="그림 8">
+            <a:extLst>
+              <a:ext uri="{FF2B5EF4-FFF2-40B4-BE49-F238E27FC236}">
+                <a16:creationId xmlns:a16="http://schemas.microsoft.com/office/drawing/2014/main" id="{C6CF4C6E-ED88-4A23-90EB-8D74DFCE4D7A}"/>
+              </a:ext>
+            </a:extLst>
+          </p:cNvPr>
+          <p:cNvPicPr>
+            <a:picLocks noChangeAspect="1"/>
+          </p:cNvPicPr>
+          <p:nvPr/>
+        </p:nvPicPr>
+        <p:blipFill>
+          <a:blip r:embed="rId3"/>
+          <a:stretch>
+            <a:fillRect/>
+          </a:stretch>
+        </p:blipFill>
+        <p:spPr>
+          <a:xfrm>
+            <a:off x="6050156" y="3429000"/>
+            <a:ext cx="1616287" cy="2996952"/>
+          </a:xfrm>
+          <a:prstGeom prst="rect">
+            <a:avLst/>
+          </a:prstGeom>
+        </p:spPr>
+      </p:pic>
+      <p:pic>
+        <p:nvPicPr>
+          <p:cNvPr id="10" name="그림 9">
+            <a:extLst>
+              <a:ext uri="{FF2B5EF4-FFF2-40B4-BE49-F238E27FC236}">
+                <a16:creationId xmlns:a16="http://schemas.microsoft.com/office/drawing/2014/main" id="{1C56F09E-04EC-41E4-BD0D-10D8EEA8D6C2}"/>
+              </a:ext>
+            </a:extLst>
+          </p:cNvPr>
+          <p:cNvPicPr>
+            <a:picLocks noChangeAspect="1"/>
+          </p:cNvPicPr>
+          <p:nvPr/>
+        </p:nvPicPr>
+        <p:blipFill>
+          <a:blip r:embed="rId4"/>
+          <a:stretch>
+            <a:fillRect/>
+          </a:stretch>
+        </p:blipFill>
+        <p:spPr>
+          <a:xfrm>
+            <a:off x="8354412" y="3429000"/>
+            <a:ext cx="500071" cy="3217565"/>
+          </a:xfrm>
+          <a:prstGeom prst="rect">
+            <a:avLst/>
+          </a:prstGeom>
+        </p:spPr>
+      </p:pic>
+      <p:sp>
+        <p:nvSpPr>
+          <p:cNvPr id="11" name="TextBox 10">
+            <a:extLst>
+              <a:ext uri="{FF2B5EF4-FFF2-40B4-BE49-F238E27FC236}">
+                <a16:creationId xmlns:a16="http://schemas.microsoft.com/office/drawing/2014/main" id="{A5911F38-A91F-4CED-A79A-CD1842807EBC}"/>
+              </a:ext>
+            </a:extLst>
+          </p:cNvPr>
+          <p:cNvSpPr txBox="1"/>
+          <p:nvPr/>
+        </p:nvSpPr>
+        <p:spPr>
+          <a:xfrm>
+            <a:off x="6050156" y="2956302"/>
+            <a:ext cx="1513556" cy="369332"/>
+          </a:xfrm>
+          <a:prstGeom prst="rect">
+            <a:avLst/>
+          </a:prstGeom>
+          <a:noFill/>
+        </p:spPr>
+        <p:txBody>
+          <a:bodyPr wrap="none" rtlCol="0">
+            <a:spAutoFit/>
+          </a:bodyPr>
+          <a:lstStyle/>
+          <a:p>
+            <a:r>
+              <a:rPr lang="en-US" altLang="ko-KR" dirty="0"/>
+              <a:t>&lt;</a:t>
+            </a:r>
+            <a:r>
+              <a:rPr lang="ko-KR" altLang="en-US" dirty="0"/>
+              <a:t>결과 예시</a:t>
+            </a:r>
+            <a:r>
+              <a:rPr lang="en-US" altLang="ko-KR" dirty="0"/>
+              <a:t>&gt;</a:t>
+            </a:r>
+            <a:endParaRPr lang="ko-KR" altLang="en-US" dirty="0"/>
+          </a:p>
+        </p:txBody>
+      </p:sp>
+      <p:sp>
+        <p:nvSpPr>
+          <p:cNvPr id="12" name="제목 1">
+            <a:extLst>
+              <a:ext uri="{FF2B5EF4-FFF2-40B4-BE49-F238E27FC236}">
+                <a16:creationId xmlns:a16="http://schemas.microsoft.com/office/drawing/2014/main" id="{BFD6B1B1-3EDA-4DFD-A21C-2C882661BE24}"/>
+              </a:ext>
+            </a:extLst>
+          </p:cNvPr>
+          <p:cNvSpPr>
+            <a:spLocks noGrp="1"/>
+          </p:cNvSpPr>
+          <p:nvPr>
+            <p:ph type="title"/>
+          </p:nvPr>
+        </p:nvSpPr>
+        <p:spPr>
+          <a:xfrm>
+            <a:off x="261889" y="141468"/>
+            <a:ext cx="8219256" cy="490066"/>
+          </a:xfrm>
+        </p:spPr>
+        <p:txBody>
+          <a:bodyPr>
+            <a:noAutofit/>
+          </a:bodyPr>
+          <a:lstStyle/>
+          <a:p>
+            <a:pPr algn="l"/>
+            <a:r>
+              <a:rPr lang="en-US" altLang="ko-KR" sz="2400" dirty="0"/>
+              <a:t>User manual – quick base</a:t>
+            </a:r>
+            <a:endParaRPr lang="ko-KR" altLang="en-US" sz="2400" dirty="0"/>
+          </a:p>
+        </p:txBody>
+      </p:sp>
+    </p:spTree>
+    <p:extLst>
+      <p:ext uri="{BB962C8B-B14F-4D97-AF65-F5344CB8AC3E}">
+        <p14:creationId xmlns:p14="http://schemas.microsoft.com/office/powerpoint/2010/main" val="4011990284"/>
+      </p:ext>
+    </p:extLst>
+  </p:cSld>
+  <p:clrMapOvr>
+    <a:masterClrMapping/>
+  </p:clrMapOvr>
+</p:sld>
+</file>
+
+<file path=ppt/slides/slide11.xml><?xml version="1.0" encoding="utf-8"?>
+<p:sld xmlns:a="http://schemas.openxmlformats.org/drawingml/2006/main" xmlns:r="http://schemas.openxmlformats.org/officeDocument/2006/relationships" xmlns:p="http://schemas.openxmlformats.org/presentationml/2006/main">
+  <p:cSld>
+    <p:spTree>
+      <p:nvGrpSpPr>
+        <p:cNvPr id="1" name=""/>
+        <p:cNvGrpSpPr/>
+        <p:nvPr/>
+      </p:nvGrpSpPr>
+      <p:grpSpPr>
+        <a:xfrm>
+          <a:off x="0" y="0"/>
+          <a:ext cx="0" cy="0"/>
+          <a:chOff x="0" y="0"/>
+          <a:chExt cx="0" cy="0"/>
+        </a:xfrm>
+      </p:grpSpPr>
+      <p:sp>
+        <p:nvSpPr>
+          <p:cNvPr id="4" name="타원 3">
+            <a:extLst>
+              <a:ext uri="{FF2B5EF4-FFF2-40B4-BE49-F238E27FC236}">
+                <a16:creationId xmlns:a16="http://schemas.microsoft.com/office/drawing/2014/main" id="{9C415EC5-B1BB-4183-8E3B-B048704574FC}"/>
+              </a:ext>
+            </a:extLst>
+          </p:cNvPr>
+          <p:cNvSpPr/>
+          <p:nvPr/>
+        </p:nvSpPr>
+        <p:spPr>
+          <a:xfrm>
+            <a:off x="899592" y="3469622"/>
+            <a:ext cx="288032" cy="288032"/>
+          </a:xfrm>
+          <a:prstGeom prst="ellipse">
+            <a:avLst/>
+          </a:prstGeom>
+          <a:solidFill>
+            <a:srgbClr val="FFFF00"/>
+          </a:solidFill>
+        </p:spPr>
+        <p:style>
+          <a:lnRef idx="2">
+            <a:schemeClr val="accent1">
+              <a:shade val="50000"/>
+            </a:schemeClr>
+          </a:lnRef>
+          <a:fillRef idx="1">
+            <a:schemeClr val="accent1"/>
+          </a:fillRef>
+          <a:effectRef idx="0">
+            <a:schemeClr val="accent1"/>
+          </a:effectRef>
+          <a:fontRef idx="minor">
+            <a:schemeClr val="lt1"/>
+          </a:fontRef>
+        </p:style>
+        <p:txBody>
+          <a:bodyPr rtlCol="0" anchor="ctr"/>
+          <a:lstStyle/>
+          <a:p>
+            <a:pPr algn="ctr"/>
+            <a:r>
+              <a:rPr lang="en-US" altLang="ko-KR" sz="1400" dirty="0">
+                <a:solidFill>
+                  <a:schemeClr val="tx1"/>
+                </a:solidFill>
+              </a:rPr>
+              <a:t>1</a:t>
+            </a:r>
+            <a:endParaRPr lang="ko-KR" altLang="en-US" sz="1400" dirty="0">
+              <a:solidFill>
+                <a:schemeClr val="tx1"/>
+              </a:solidFill>
+            </a:endParaRPr>
+          </a:p>
+        </p:txBody>
+      </p:sp>
+      <p:sp>
+        <p:nvSpPr>
+          <p:cNvPr id="5" name="타원 4">
+            <a:extLst>
+              <a:ext uri="{FF2B5EF4-FFF2-40B4-BE49-F238E27FC236}">
+                <a16:creationId xmlns:a16="http://schemas.microsoft.com/office/drawing/2014/main" id="{F46BF282-9635-4ECB-8786-DEEB67B6DE99}"/>
+              </a:ext>
+            </a:extLst>
+          </p:cNvPr>
+          <p:cNvSpPr/>
+          <p:nvPr/>
+        </p:nvSpPr>
+        <p:spPr>
+          <a:xfrm>
+            <a:off x="3347864" y="3469622"/>
+            <a:ext cx="288032" cy="288032"/>
+          </a:xfrm>
+          <a:prstGeom prst="ellipse">
+            <a:avLst/>
+          </a:prstGeom>
+          <a:solidFill>
+            <a:srgbClr val="FFFF00"/>
+          </a:solidFill>
+        </p:spPr>
+        <p:style>
+          <a:lnRef idx="2">
+            <a:schemeClr val="accent1">
+              <a:shade val="50000"/>
+            </a:schemeClr>
+          </a:lnRef>
+          <a:fillRef idx="1">
+            <a:schemeClr val="accent1"/>
+          </a:fillRef>
+          <a:effectRef idx="0">
+            <a:schemeClr val="accent1"/>
+          </a:effectRef>
+          <a:fontRef idx="minor">
+            <a:schemeClr val="lt1"/>
+          </a:fontRef>
+        </p:style>
+        <p:txBody>
+          <a:bodyPr rtlCol="0" anchor="ctr"/>
+          <a:lstStyle/>
+          <a:p>
+            <a:pPr algn="ctr"/>
+            <a:r>
+              <a:rPr lang="en-US" altLang="ko-KR" sz="1400" dirty="0">
+                <a:solidFill>
+                  <a:schemeClr val="tx1"/>
+                </a:solidFill>
+              </a:rPr>
+              <a:t>2</a:t>
+            </a:r>
+            <a:endParaRPr lang="ko-KR" altLang="en-US" sz="1400" dirty="0">
+              <a:solidFill>
+                <a:schemeClr val="tx1"/>
+              </a:solidFill>
+            </a:endParaRPr>
+          </a:p>
+        </p:txBody>
+      </p:sp>
+      <p:sp>
+        <p:nvSpPr>
+          <p:cNvPr id="12" name="제목 1">
+            <a:extLst>
+              <a:ext uri="{FF2B5EF4-FFF2-40B4-BE49-F238E27FC236}">
+                <a16:creationId xmlns:a16="http://schemas.microsoft.com/office/drawing/2014/main" id="{BFD6B1B1-3EDA-4DFD-A21C-2C882661BE24}"/>
+              </a:ext>
+            </a:extLst>
+          </p:cNvPr>
+          <p:cNvSpPr>
+            <a:spLocks noGrp="1"/>
+          </p:cNvSpPr>
+          <p:nvPr>
+            <p:ph type="title"/>
+          </p:nvPr>
+        </p:nvSpPr>
+        <p:spPr>
+          <a:xfrm>
+            <a:off x="261889" y="141468"/>
+            <a:ext cx="8219256" cy="490066"/>
+          </a:xfrm>
+        </p:spPr>
+        <p:txBody>
+          <a:bodyPr>
+            <a:noAutofit/>
+          </a:bodyPr>
+          <a:lstStyle/>
+          <a:p>
+            <a:pPr algn="l"/>
+            <a:r>
+              <a:rPr lang="en-US" altLang="ko-KR" sz="2400" dirty="0"/>
+              <a:t>User manual – advanced</a:t>
+            </a:r>
+            <a:endParaRPr lang="ko-KR" altLang="en-US" sz="2400" dirty="0"/>
+          </a:p>
+        </p:txBody>
+      </p:sp>
+      <p:sp>
+        <p:nvSpPr>
+          <p:cNvPr id="2" name="TextBox 1">
+            <a:extLst>
+              <a:ext uri="{FF2B5EF4-FFF2-40B4-BE49-F238E27FC236}">
+                <a16:creationId xmlns:a16="http://schemas.microsoft.com/office/drawing/2014/main" id="{60CBEAB6-2A4C-4792-8ACD-998FEBE24F87}"/>
+              </a:ext>
+            </a:extLst>
+          </p:cNvPr>
+          <p:cNvSpPr txBox="1"/>
+          <p:nvPr/>
+        </p:nvSpPr>
+        <p:spPr>
+          <a:xfrm>
+            <a:off x="261890" y="796062"/>
+            <a:ext cx="7404554" cy="2462213"/>
+          </a:xfrm>
+          <a:prstGeom prst="rect">
+            <a:avLst/>
+          </a:prstGeom>
+          <a:noFill/>
+        </p:spPr>
+        <p:txBody>
+          <a:bodyPr wrap="square" rtlCol="0">
+            <a:spAutoFit/>
+          </a:bodyPr>
+          <a:lstStyle/>
+          <a:p>
+            <a:pPr marL="285750" indent="-285750">
+              <a:buFont typeface="Arial" panose="020B0604020202020204" pitchFamily="34" charset="0"/>
+              <a:buChar char="•"/>
+            </a:pPr>
+            <a:r>
+              <a:rPr lang="en-US" altLang="ko-KR" sz="1400" dirty="0">
+                <a:latin typeface="Abadi" panose="020B0604020202020204" pitchFamily="34" charset="0"/>
+              </a:rPr>
+              <a:t>Setting </a:t>
+            </a:r>
+            <a:r>
+              <a:rPr lang="ko-KR" altLang="en-US" sz="1400" dirty="0">
+                <a:latin typeface="Abadi" panose="020B0604020202020204" pitchFamily="34" charset="0"/>
+              </a:rPr>
+              <a:t>파일 적용</a:t>
+            </a:r>
+            <a:endParaRPr lang="en-US" altLang="ko-KR" sz="1400" dirty="0">
+              <a:latin typeface="Abadi" panose="020B0604020202020204" pitchFamily="34" charset="0"/>
+            </a:endParaRPr>
+          </a:p>
+          <a:p>
+            <a:pPr marL="742950" lvl="1" indent="-285750">
+              <a:buFont typeface="Arial" panose="020B0604020202020204" pitchFamily="34" charset="0"/>
+              <a:buChar char="•"/>
+            </a:pPr>
+            <a:r>
+              <a:rPr lang="en-US" altLang="ko-KR" sz="1400" dirty="0">
+                <a:latin typeface="Abadi" panose="020B0604020202020204" pitchFamily="34" charset="0"/>
+              </a:rPr>
+              <a:t>1</a:t>
+            </a:r>
+            <a:r>
+              <a:rPr lang="ko-KR" altLang="en-US" sz="1400" dirty="0">
+                <a:latin typeface="Abadi" panose="020B0604020202020204" pitchFamily="34" charset="0"/>
+              </a:rPr>
+              <a:t>차 </a:t>
+            </a:r>
+            <a:r>
+              <a:rPr lang="ko-KR" altLang="en-US" sz="1400" dirty="0" err="1">
+                <a:latin typeface="Abadi" panose="020B0604020202020204" pitchFamily="34" charset="0"/>
+              </a:rPr>
+              <a:t>릴리즈시</a:t>
+            </a:r>
+            <a:r>
+              <a:rPr lang="ko-KR" altLang="en-US" sz="1400" dirty="0">
+                <a:latin typeface="Abadi" panose="020B0604020202020204" pitchFamily="34" charset="0"/>
+              </a:rPr>
+              <a:t> 품번 폴더내 이미지 부재 시 발생하는 오류에 대응하기 위해 적용할 이미지의 파일명</a:t>
+            </a:r>
+            <a:r>
+              <a:rPr lang="en-US" altLang="ko-KR" sz="1400" dirty="0">
+                <a:latin typeface="Abadi" panose="020B0604020202020204" pitchFamily="34" charset="0"/>
+              </a:rPr>
+              <a:t>(postfix)</a:t>
+            </a:r>
+            <a:r>
+              <a:rPr lang="ko-KR" altLang="en-US" sz="1400" dirty="0">
+                <a:latin typeface="Abadi" panose="020B0604020202020204" pitchFamily="34" charset="0"/>
+              </a:rPr>
+              <a:t>를 수정하도록 기능 추가</a:t>
+            </a:r>
+            <a:r>
+              <a:rPr lang="en-US" altLang="ko-KR" sz="1400" dirty="0">
+                <a:latin typeface="Abadi" panose="020B0604020202020204" pitchFamily="34" charset="0"/>
+              </a:rPr>
+              <a:t>.</a:t>
+            </a:r>
+          </a:p>
+          <a:p>
+            <a:pPr marL="742950" lvl="1" indent="-285750">
+              <a:buFont typeface="Arial" panose="020B0604020202020204" pitchFamily="34" charset="0"/>
+              <a:buChar char="•"/>
+            </a:pPr>
+            <a:r>
+              <a:rPr lang="ko-KR" altLang="en-US" sz="1400" dirty="0">
+                <a:latin typeface="Abadi" panose="020B0604020202020204" pitchFamily="34" charset="0"/>
+              </a:rPr>
+              <a:t>기능 설명</a:t>
+            </a:r>
+            <a:endParaRPr lang="en-US" altLang="ko-KR" sz="1400" dirty="0">
+              <a:latin typeface="Abadi" panose="020B0604020202020204" pitchFamily="34" charset="0"/>
+            </a:endParaRPr>
+          </a:p>
+          <a:p>
+            <a:pPr marL="1200150" lvl="2" indent="-285750">
+              <a:buFont typeface="Arial" panose="020B0604020202020204" pitchFamily="34" charset="0"/>
+              <a:buChar char="•"/>
+            </a:pPr>
+            <a:r>
+              <a:rPr lang="ko-KR" altLang="en-US" sz="1400" dirty="0">
+                <a:latin typeface="Abadi" panose="020B0604020202020204" pitchFamily="34" charset="0"/>
+              </a:rPr>
+              <a:t>제공되는 이미지 파일명은</a:t>
+            </a:r>
+            <a:r>
+              <a:rPr lang="en-US" altLang="ko-KR" sz="1400" dirty="0">
+                <a:latin typeface="Abadi" panose="020B0604020202020204" pitchFamily="34" charset="0"/>
+              </a:rPr>
+              <a:t> _1~_5 </a:t>
+            </a:r>
+            <a:r>
+              <a:rPr lang="ko-KR" altLang="en-US" sz="1400" dirty="0">
+                <a:latin typeface="Abadi" panose="020B0604020202020204" pitchFamily="34" charset="0"/>
+              </a:rPr>
+              <a:t>와 같은</a:t>
+            </a:r>
+            <a:r>
+              <a:rPr lang="en-US" altLang="ko-KR" sz="1400" dirty="0">
+                <a:latin typeface="Abadi" panose="020B0604020202020204" pitchFamily="34" charset="0"/>
+              </a:rPr>
+              <a:t> </a:t>
+            </a:r>
+            <a:r>
+              <a:rPr lang="ko-KR" altLang="en-US" sz="1400" dirty="0">
+                <a:latin typeface="Abadi" panose="020B0604020202020204" pitchFamily="34" charset="0"/>
+              </a:rPr>
+              <a:t>접미사</a:t>
+            </a:r>
+            <a:r>
+              <a:rPr lang="en-US" altLang="ko-KR" sz="1400" dirty="0">
+                <a:latin typeface="Abadi" panose="020B0604020202020204" pitchFamily="34" charset="0"/>
+              </a:rPr>
+              <a:t>(postfix)</a:t>
+            </a:r>
+            <a:r>
+              <a:rPr lang="ko-KR" altLang="en-US" sz="1400" dirty="0">
+                <a:latin typeface="Abadi" panose="020B0604020202020204" pitchFamily="34" charset="0"/>
+              </a:rPr>
+              <a:t>로 되어 있음</a:t>
+            </a:r>
+            <a:endParaRPr lang="en-US" altLang="ko-KR" sz="1400" dirty="0">
+              <a:latin typeface="Abadi" panose="020B0604020202020204" pitchFamily="34" charset="0"/>
+            </a:endParaRPr>
+          </a:p>
+          <a:p>
+            <a:pPr marL="1200150" lvl="2" indent="-285750">
+              <a:buFont typeface="Arial" panose="020B0604020202020204" pitchFamily="34" charset="0"/>
+              <a:buChar char="•"/>
+            </a:pPr>
+            <a:r>
+              <a:rPr lang="ko-KR" altLang="en-US" sz="1400" dirty="0">
+                <a:latin typeface="Abadi" panose="020B0604020202020204" pitchFamily="34" charset="0"/>
+              </a:rPr>
+              <a:t>일부 품번 이미지는 </a:t>
+            </a:r>
+            <a:r>
+              <a:rPr lang="en-US" altLang="ko-KR" sz="1400" dirty="0">
+                <a:latin typeface="Abadi" panose="020B0604020202020204" pitchFamily="34" charset="0"/>
+              </a:rPr>
+              <a:t>(_1 </a:t>
+            </a:r>
+            <a:r>
+              <a:rPr lang="en-US" altLang="ko-KR" sz="1400" dirty="0">
+                <a:latin typeface="Abadi" panose="020B0604020202020204" pitchFamily="34" charset="0"/>
+                <a:sym typeface="Wingdings" panose="05000000000000000000" pitchFamily="2" charset="2"/>
+              </a:rPr>
+              <a:t> _B) </a:t>
+            </a:r>
+            <a:r>
+              <a:rPr lang="ko-KR" altLang="en-US" sz="1400" dirty="0">
+                <a:latin typeface="Abadi" panose="020B0604020202020204" pitchFamily="34" charset="0"/>
+                <a:sym typeface="Wingdings" panose="05000000000000000000" pitchFamily="2" charset="2"/>
+              </a:rPr>
+              <a:t>와 같이 변경되는 경우가 있음</a:t>
+            </a:r>
+            <a:endParaRPr lang="en-US" altLang="ko-KR" sz="1400" dirty="0">
+              <a:latin typeface="Abadi" panose="020B0604020202020204" pitchFamily="34" charset="0"/>
+              <a:sym typeface="Wingdings" panose="05000000000000000000" pitchFamily="2" charset="2"/>
+            </a:endParaRPr>
+          </a:p>
+          <a:p>
+            <a:pPr marL="1200150" lvl="2" indent="-285750">
+              <a:buFont typeface="Arial" panose="020B0604020202020204" pitchFamily="34" charset="0"/>
+              <a:buChar char="•"/>
+            </a:pPr>
+            <a:r>
+              <a:rPr lang="ko-KR" altLang="en-US" sz="1400" dirty="0">
+                <a:latin typeface="Abadi" panose="020B0604020202020204" pitchFamily="34" charset="0"/>
+                <a:sym typeface="Wingdings" panose="05000000000000000000" pitchFamily="2" charset="2"/>
+              </a:rPr>
+              <a:t>이에 </a:t>
+            </a:r>
+            <a:r>
+              <a:rPr lang="en-US" altLang="ko-KR" sz="1400" dirty="0">
+                <a:latin typeface="Abadi" panose="020B0604020202020204" pitchFamily="34" charset="0"/>
+                <a:sym typeface="Wingdings" panose="05000000000000000000" pitchFamily="2" charset="2"/>
+              </a:rPr>
+              <a:t>Setting.ini </a:t>
+            </a:r>
+            <a:r>
+              <a:rPr lang="ko-KR" altLang="en-US" sz="1400" dirty="0">
+                <a:latin typeface="Abadi" panose="020B0604020202020204" pitchFamily="34" charset="0"/>
+                <a:sym typeface="Wingdings" panose="05000000000000000000" pitchFamily="2" charset="2"/>
+              </a:rPr>
+              <a:t>파일을 수정하여 위와 같은 예외사항 기능 추가</a:t>
+            </a:r>
+            <a:endParaRPr lang="en-US" altLang="ko-KR" sz="1400" dirty="0">
+              <a:latin typeface="Abadi" panose="020B0604020202020204" pitchFamily="34" charset="0"/>
+              <a:sym typeface="Wingdings" panose="05000000000000000000" pitchFamily="2" charset="2"/>
+            </a:endParaRPr>
+          </a:p>
+          <a:p>
+            <a:pPr marL="742950" lvl="1" indent="-285750">
+              <a:buFont typeface="Arial" panose="020B0604020202020204" pitchFamily="34" charset="0"/>
+              <a:buChar char="•"/>
+            </a:pPr>
+            <a:r>
+              <a:rPr lang="ko-KR" altLang="en-US" sz="1400" dirty="0">
+                <a:latin typeface="Abadi" panose="020B0604020202020204" pitchFamily="34" charset="0"/>
+                <a:sym typeface="Wingdings" panose="05000000000000000000" pitchFamily="2" charset="2"/>
+              </a:rPr>
+              <a:t>사용법</a:t>
+            </a:r>
+            <a:endParaRPr lang="en-US" altLang="ko-KR" sz="1400" dirty="0">
+              <a:latin typeface="Abadi" panose="020B0604020202020204" pitchFamily="34" charset="0"/>
+              <a:sym typeface="Wingdings" panose="05000000000000000000" pitchFamily="2" charset="2"/>
+            </a:endParaRPr>
+          </a:p>
+          <a:p>
+            <a:pPr marL="1200150" lvl="2" indent="-285750">
+              <a:buFont typeface="Arial" panose="020B0604020202020204" pitchFamily="34" charset="0"/>
+              <a:buChar char="•"/>
+            </a:pPr>
+            <a:r>
+              <a:rPr lang="ko-KR" altLang="en-US" sz="1400" dirty="0">
+                <a:latin typeface="Abadi" panose="020B0604020202020204" pitchFamily="34" charset="0"/>
+                <a:sym typeface="Wingdings" panose="05000000000000000000" pitchFamily="2" charset="2"/>
+              </a:rPr>
+              <a:t>폴더 </a:t>
+            </a:r>
+            <a:r>
+              <a:rPr lang="en-US" altLang="ko-KR" sz="1400" dirty="0">
+                <a:latin typeface="Abadi" panose="020B0604020202020204" pitchFamily="34" charset="0"/>
+                <a:sym typeface="Wingdings" panose="05000000000000000000" pitchFamily="2" charset="2"/>
+              </a:rPr>
+              <a:t>03_resource</a:t>
+            </a:r>
+            <a:r>
+              <a:rPr lang="ko-KR" altLang="en-US" sz="1400" dirty="0">
+                <a:latin typeface="Abadi" panose="020B0604020202020204" pitchFamily="34" charset="0"/>
+                <a:sym typeface="Wingdings" panose="05000000000000000000" pitchFamily="2" charset="2"/>
+              </a:rPr>
+              <a:t> 내의 </a:t>
+            </a:r>
+            <a:r>
+              <a:rPr lang="en-US" altLang="ko-KR" sz="1400" dirty="0">
+                <a:latin typeface="Abadi" panose="020B0604020202020204" pitchFamily="34" charset="0"/>
+                <a:sym typeface="Wingdings" panose="05000000000000000000" pitchFamily="2" charset="2"/>
+              </a:rPr>
+              <a:t>setting.ini </a:t>
+            </a:r>
+            <a:r>
+              <a:rPr lang="ko-KR" altLang="en-US" sz="1400" dirty="0">
+                <a:latin typeface="Abadi" panose="020B0604020202020204" pitchFamily="34" charset="0"/>
+                <a:sym typeface="Wingdings" panose="05000000000000000000" pitchFamily="2" charset="2"/>
+              </a:rPr>
+              <a:t>파일을 노트패드</a:t>
+            </a:r>
+            <a:r>
+              <a:rPr lang="en-US" altLang="ko-KR" sz="1400" dirty="0">
+                <a:latin typeface="Abadi" panose="020B0604020202020204" pitchFamily="34" charset="0"/>
+                <a:sym typeface="Wingdings" panose="05000000000000000000" pitchFamily="2" charset="2"/>
+              </a:rPr>
+              <a:t>(or </a:t>
+            </a:r>
+            <a:r>
+              <a:rPr lang="ko-KR" altLang="en-US" sz="1400" dirty="0">
+                <a:latin typeface="Abadi" panose="020B0604020202020204" pitchFamily="34" charset="0"/>
+                <a:sym typeface="Wingdings" panose="05000000000000000000" pitchFamily="2" charset="2"/>
+              </a:rPr>
+              <a:t>메모장</a:t>
+            </a:r>
+            <a:r>
+              <a:rPr lang="en-US" altLang="ko-KR" sz="1400" dirty="0">
+                <a:latin typeface="Abadi" panose="020B0604020202020204" pitchFamily="34" charset="0"/>
+                <a:sym typeface="Wingdings" panose="05000000000000000000" pitchFamily="2" charset="2"/>
+              </a:rPr>
+              <a:t>)</a:t>
+            </a:r>
+            <a:r>
+              <a:rPr lang="ko-KR" altLang="en-US" sz="1400" dirty="0">
+                <a:latin typeface="Abadi" panose="020B0604020202020204" pitchFamily="34" charset="0"/>
+                <a:sym typeface="Wingdings" panose="05000000000000000000" pitchFamily="2" charset="2"/>
+              </a:rPr>
+              <a:t>으로</a:t>
+            </a:r>
+            <a:r>
+              <a:rPr lang="en-US" altLang="ko-KR" sz="1400" dirty="0">
+                <a:latin typeface="Abadi" panose="020B0604020202020204" pitchFamily="34" charset="0"/>
+                <a:sym typeface="Wingdings" panose="05000000000000000000" pitchFamily="2" charset="2"/>
+              </a:rPr>
+              <a:t> </a:t>
+            </a:r>
+            <a:r>
+              <a:rPr lang="ko-KR" altLang="en-US" sz="1400" dirty="0">
+                <a:latin typeface="Abadi" panose="020B0604020202020204" pitchFamily="34" charset="0"/>
+                <a:sym typeface="Wingdings" panose="05000000000000000000" pitchFamily="2" charset="2"/>
+              </a:rPr>
+              <a:t>열기</a:t>
+            </a:r>
+            <a:endParaRPr lang="en-US" altLang="ko-KR" sz="1400" dirty="0">
+              <a:latin typeface="Abadi" panose="020B0604020202020204" pitchFamily="34" charset="0"/>
+              <a:sym typeface="Wingdings" panose="05000000000000000000" pitchFamily="2" charset="2"/>
+            </a:endParaRPr>
+          </a:p>
+          <a:p>
+            <a:pPr marL="1200150" lvl="2" indent="-285750">
+              <a:buFont typeface="Arial" panose="020B0604020202020204" pitchFamily="34" charset="0"/>
+              <a:buChar char="•"/>
+            </a:pPr>
+            <a:r>
+              <a:rPr lang="ko-KR" altLang="en-US" sz="1400" dirty="0">
+                <a:latin typeface="Abadi" panose="020B0604020202020204" pitchFamily="34" charset="0"/>
+                <a:sym typeface="Wingdings" panose="05000000000000000000" pitchFamily="2" charset="2"/>
+              </a:rPr>
+              <a:t>적용할 이미지 순서대로 접미사 수정 </a:t>
+            </a:r>
+            <a:r>
+              <a:rPr lang="en-US" altLang="ko-KR" sz="1400" dirty="0">
+                <a:latin typeface="Abadi" panose="020B0604020202020204" pitchFamily="34" charset="0"/>
+                <a:sym typeface="Wingdings" panose="05000000000000000000" pitchFamily="2" charset="2"/>
+              </a:rPr>
+              <a:t>/ </a:t>
+            </a:r>
+            <a:r>
+              <a:rPr lang="ko-KR" altLang="en-US" sz="1400" dirty="0">
+                <a:latin typeface="Abadi" panose="020B0604020202020204" pitchFamily="34" charset="0"/>
+                <a:sym typeface="Wingdings" panose="05000000000000000000" pitchFamily="2" charset="2"/>
+              </a:rPr>
+              <a:t>저장 후 닫기</a:t>
+            </a:r>
+            <a:endParaRPr lang="en-US" altLang="ko-KR" sz="1400" dirty="0">
+              <a:latin typeface="Abadi" panose="020B0604020202020204" pitchFamily="34" charset="0"/>
+              <a:sym typeface="Wingdings" panose="05000000000000000000" pitchFamily="2" charset="2"/>
+            </a:endParaRPr>
+          </a:p>
+          <a:p>
+            <a:pPr marL="1200150" lvl="2" indent="-285750">
+              <a:buFont typeface="Arial" panose="020B0604020202020204" pitchFamily="34" charset="0"/>
+              <a:buChar char="•"/>
+            </a:pPr>
+            <a:endParaRPr lang="en-US" altLang="ko-KR" sz="1400" dirty="0">
+              <a:latin typeface="Abadi" panose="020B0604020202020204" pitchFamily="34" charset="0"/>
+              <a:sym typeface="Wingdings" panose="05000000000000000000" pitchFamily="2" charset="2"/>
+            </a:endParaRPr>
+          </a:p>
+        </p:txBody>
+      </p:sp>
+      <p:pic>
+        <p:nvPicPr>
+          <p:cNvPr id="13" name="그림 12">
+            <a:extLst>
+              <a:ext uri="{FF2B5EF4-FFF2-40B4-BE49-F238E27FC236}">
+                <a16:creationId xmlns:a16="http://schemas.microsoft.com/office/drawing/2014/main" id="{C7727483-6F64-4217-A1A2-9C95164D44CA}"/>
+              </a:ext>
+            </a:extLst>
+          </p:cNvPr>
+          <p:cNvPicPr>
+            <a:picLocks noChangeAspect="1"/>
+          </p:cNvPicPr>
+          <p:nvPr/>
+        </p:nvPicPr>
+        <p:blipFill>
+          <a:blip r:embed="rId2"/>
+          <a:stretch>
+            <a:fillRect/>
+          </a:stretch>
+        </p:blipFill>
+        <p:spPr>
+          <a:xfrm>
+            <a:off x="1333540" y="3467967"/>
+            <a:ext cx="1533525" cy="971550"/>
+          </a:xfrm>
+          <a:prstGeom prst="rect">
+            <a:avLst/>
+          </a:prstGeom>
+        </p:spPr>
+        <p:style>
+          <a:lnRef idx="1">
+            <a:schemeClr val="dk1"/>
+          </a:lnRef>
+          <a:fillRef idx="2">
+            <a:schemeClr val="dk1"/>
+          </a:fillRef>
+          <a:effectRef idx="1">
+            <a:schemeClr val="dk1"/>
+          </a:effectRef>
+          <a:fontRef idx="minor">
+            <a:schemeClr val="dk1"/>
+          </a:fontRef>
+        </p:style>
+      </p:pic>
+      <p:pic>
+        <p:nvPicPr>
+          <p:cNvPr id="14" name="그림 13">
+            <a:extLst>
+              <a:ext uri="{FF2B5EF4-FFF2-40B4-BE49-F238E27FC236}">
+                <a16:creationId xmlns:a16="http://schemas.microsoft.com/office/drawing/2014/main" id="{C6F1D182-2E00-4DE8-9077-8981A8530C39}"/>
+              </a:ext>
+            </a:extLst>
+          </p:cNvPr>
+          <p:cNvPicPr>
+            <a:picLocks noChangeAspect="1"/>
+          </p:cNvPicPr>
+          <p:nvPr/>
+        </p:nvPicPr>
+        <p:blipFill>
+          <a:blip r:embed="rId3"/>
+          <a:stretch>
+            <a:fillRect/>
+          </a:stretch>
+        </p:blipFill>
+        <p:spPr>
+          <a:xfrm>
+            <a:off x="3720351" y="3464759"/>
+            <a:ext cx="1190625" cy="1200150"/>
+          </a:xfrm>
+          <a:prstGeom prst="rect">
+            <a:avLst/>
+          </a:prstGeom>
+        </p:spPr>
+        <p:style>
+          <a:lnRef idx="1">
+            <a:schemeClr val="dk1"/>
+          </a:lnRef>
+          <a:fillRef idx="2">
+            <a:schemeClr val="dk1"/>
+          </a:fillRef>
+          <a:effectRef idx="1">
+            <a:schemeClr val="dk1"/>
+          </a:effectRef>
+          <a:fontRef idx="minor">
+            <a:schemeClr val="dk1"/>
+          </a:fontRef>
+        </p:style>
+      </p:pic>
+    </p:spTree>
+    <p:extLst>
+      <p:ext uri="{BB962C8B-B14F-4D97-AF65-F5344CB8AC3E}">
+        <p14:creationId xmlns:p14="http://schemas.microsoft.com/office/powerpoint/2010/main" val="2459738865"/>
+      </p:ext>
+    </p:extLst>
+  </p:cSld>
+  <p:clrMapOvr>
+    <a:masterClrMapping/>
+  </p:clrMapOvr>
+</p:sld>
+</file>
+
+<file path=ppt/slides/slide12.xml><?xml version="1.0" encoding="utf-8"?>
+<p:sld xmlns:a="http://schemas.openxmlformats.org/drawingml/2006/main" xmlns:r="http://schemas.openxmlformats.org/officeDocument/2006/relationships" xmlns:p="http://schemas.openxmlformats.org/presentationml/2006/main">
+  <p:cSld>
+    <p:spTree>
+      <p:nvGrpSpPr>
+        <p:cNvPr id="1" name=""/>
+        <p:cNvGrpSpPr/>
+        <p:nvPr/>
+      </p:nvGrpSpPr>
+      <p:grpSpPr>
+        <a:xfrm>
+          <a:off x="0" y="0"/>
+          <a:ext cx="0" cy="0"/>
+          <a:chOff x="0" y="0"/>
+          <a:chExt cx="0" cy="0"/>
+        </a:xfrm>
+      </p:grpSpPr>
+      <p:pic>
+        <p:nvPicPr>
+          <p:cNvPr id="3" name="그림 2">
+            <a:extLst>
+              <a:ext uri="{FF2B5EF4-FFF2-40B4-BE49-F238E27FC236}">
+                <a16:creationId xmlns:a16="http://schemas.microsoft.com/office/drawing/2014/main" id="{BC1B6B8F-A859-4AF0-A901-0DA916543767}"/>
+              </a:ext>
+            </a:extLst>
+          </p:cNvPr>
+          <p:cNvPicPr>
+            <a:picLocks noChangeAspect="1"/>
+          </p:cNvPicPr>
+          <p:nvPr/>
+        </p:nvPicPr>
+        <p:blipFill>
+          <a:blip r:embed="rId2"/>
+          <a:stretch>
+            <a:fillRect/>
+          </a:stretch>
+        </p:blipFill>
+        <p:spPr>
+          <a:xfrm>
+            <a:off x="807169" y="1844824"/>
+            <a:ext cx="7529661" cy="4242399"/>
+          </a:xfrm>
+          <a:prstGeom prst="rect">
+            <a:avLst/>
+          </a:prstGeom>
+        </p:spPr>
+      </p:pic>
+    </p:spTree>
+    <p:extLst>
+      <p:ext uri="{BB962C8B-B14F-4D97-AF65-F5344CB8AC3E}">
+        <p14:creationId xmlns:p14="http://schemas.microsoft.com/office/powerpoint/2010/main" val="1334834987"/>
+      </p:ext>
+    </p:extLst>
   </p:cSld>
   <p:clrMapOvr>
     <a:masterClrMapping/>
